--- a/6.Crypto/1.Full Course/1.ModularArithmetic/Cryptology1-Modular-Arithmetic.pptx
+++ b/6.Crypto/1.Full Course/1.ModularArithmetic/Cryptology1-Modular-Arithmetic.pptx
@@ -5,7 +5,7 @@
     <p:sldMasterId id="2147483648" r:id="rId1"/>
   </p:sldMasterIdLst>
   <p:notesMasterIdLst>
-    <p:notesMasterId r:id="rId18"/>
+    <p:notesMasterId r:id="rId19"/>
   </p:notesMasterIdLst>
   <p:sldIdLst>
     <p:sldId id="256" r:id="rId2"/>
@@ -13,17 +13,18 @@
     <p:sldId id="257" r:id="rId4"/>
     <p:sldId id="258" r:id="rId5"/>
     <p:sldId id="259" r:id="rId6"/>
-    <p:sldId id="260" r:id="rId7"/>
-    <p:sldId id="261" r:id="rId8"/>
-    <p:sldId id="269" r:id="rId9"/>
-    <p:sldId id="270" r:id="rId10"/>
-    <p:sldId id="263" r:id="rId11"/>
-    <p:sldId id="266" r:id="rId12"/>
-    <p:sldId id="268" r:id="rId13"/>
-    <p:sldId id="267" r:id="rId14"/>
-    <p:sldId id="271" r:id="rId15"/>
-    <p:sldId id="272" r:id="rId16"/>
-    <p:sldId id="273" r:id="rId17"/>
+    <p:sldId id="276" r:id="rId7"/>
+    <p:sldId id="260" r:id="rId8"/>
+    <p:sldId id="261" r:id="rId9"/>
+    <p:sldId id="269" r:id="rId10"/>
+    <p:sldId id="270" r:id="rId11"/>
+    <p:sldId id="263" r:id="rId12"/>
+    <p:sldId id="266" r:id="rId13"/>
+    <p:sldId id="268" r:id="rId14"/>
+    <p:sldId id="267" r:id="rId15"/>
+    <p:sldId id="271" r:id="rId16"/>
+    <p:sldId id="272" r:id="rId17"/>
+    <p:sldId id="273" r:id="rId18"/>
   </p:sldIdLst>
   <p:sldSz cx="12192000" cy="6858000"/>
   <p:notesSz cx="6858000" cy="9144000"/>
@@ -215,7 +216,7 @@
           <a:p>
             <a:fld id="{7036936F-D5CE-4A4A-A458-1AE9014E9A6A}" type="datetimeFigureOut">
               <a:rPr lang="en-US" smtClean="0"/>
-              <a:t>1/26/2023</a:t>
+              <a:t>2/5/2024</a:t>
             </a:fld>
             <a:endParaRPr lang="en-US"/>
           </a:p>
@@ -605,77 +606,12 @@
             <p:ph type="body" idx="1"/>
           </p:nvPr>
         </p:nvSpPr>
-        <p:spPr>
-          <a:xfrm>
-            <a:off x="685800" y="4400549"/>
-            <a:ext cx="5486400" cy="3713789"/>
-          </a:xfrm>
-        </p:spPr>
+        <p:spPr/>
         <p:txBody>
           <a:bodyPr/>
           <a:lstStyle/>
           <a:p>
-            <a:r>
-              <a:rPr lang="en-US" dirty="0"/>
-              <a:t>The code in the top right is simple Python that incrementally tests numbers to see if they are multiplicative inverses.  The Python range(n) function returns a list of integers between 0 and n-1.  In our case n = 26, so it gives a list 0, 1, 2, …, 25.  The break statement causes the for loop to quit when it finds the inverse we seek, where a * </a:t>
-            </a:r>
-            <a:r>
-              <a:rPr lang="en-US" dirty="0" err="1"/>
-              <a:t>i</a:t>
-            </a:r>
-            <a:r>
-              <a:rPr lang="en-US" dirty="0"/>
-              <a:t> % n = 1</a:t>
-            </a:r>
-          </a:p>
-          <a:p>
-            <a:endParaRPr lang="en-US" dirty="0"/>
-          </a:p>
-          <a:p>
-            <a:endParaRPr lang="en-US" dirty="0"/>
-          </a:p>
-          <a:p>
-            <a:r>
-              <a:rPr lang="en-US" dirty="0"/>
-              <a:t>Wikipedia has a nice explanation and a table showing several steps in the algorithm, as well as a mathematical proof. </a:t>
-            </a:r>
-            <a:r>
-              <a:rPr lang="en-US" dirty="0">
-                <a:hlinkClick r:id="rId3"/>
-              </a:rPr>
-              <a:t>https://en.wikipedia.org/wiki/Extended_Euclidean_algorithm</a:t>
-            </a:r>
-            <a:r>
-              <a:rPr lang="en-US" dirty="0"/>
-              <a:t>.  </a:t>
-            </a:r>
-          </a:p>
-          <a:p>
-            <a:endParaRPr lang="en-US" dirty="0"/>
-          </a:p>
-          <a:p>
-            <a:r>
-              <a:rPr lang="en-US" dirty="0"/>
-              <a:t>However, they didn’t give me any better feel for how the process works.  Instead, this lecture by Christoff </a:t>
-            </a:r>
-            <a:r>
-              <a:rPr lang="en-US" dirty="0" err="1"/>
-              <a:t>Paar</a:t>
-            </a:r>
-            <a:r>
-              <a:rPr lang="en-US" dirty="0"/>
-              <a:t> was great! </a:t>
-            </a:r>
-            <a:r>
-              <a:rPr lang="en-US" dirty="0">
-                <a:hlinkClick r:id="rId4"/>
-              </a:rPr>
-              <a:t>https://www.youtube.com/watch?v=fq6SXByItUI</a:t>
-            </a:r>
-            <a:r>
-              <a:rPr lang="en-US" dirty="0"/>
-              <a:t> </a:t>
-            </a:r>
+            <a:endParaRPr lang="en-US"/>
           </a:p>
         </p:txBody>
       </p:sp>
@@ -686,7 +622,7 @@
             <a:spLocks noGrp="1"/>
           </p:cNvSpPr>
           <p:nvPr>
-            <p:ph type="sldNum" sz="quarter" idx="10"/>
+            <p:ph type="sldNum" sz="quarter" idx="5"/>
           </p:nvPr>
         </p:nvSpPr>
         <p:spPr/>
@@ -694,9 +630,9 @@
           <a:bodyPr/>
           <a:lstStyle/>
           <a:p>
-            <a:fld id="{5CEE4049-D197-4118-BF97-B2C042C8F06E}" type="slidenum">
+            <a:fld id="{20D4CDCA-5F51-4F16-BDEE-761A7284BA0F}" type="slidenum">
               <a:rPr lang="en-US" smtClean="0"/>
-              <a:t>11</a:t>
+              <a:t>10</a:t>
             </a:fld>
             <a:endParaRPr lang="en-US"/>
           </a:p>
@@ -705,7 +641,7 @@
     </p:spTree>
     <p:extLst>
       <p:ext uri="{BB962C8B-B14F-4D97-AF65-F5344CB8AC3E}">
-        <p14:creationId xmlns:p14="http://schemas.microsoft.com/office/powerpoint/2010/main" val="3440842352"/>
+        <p14:creationId xmlns:p14="http://schemas.microsoft.com/office/powerpoint/2010/main" val="1234247296"/>
       </p:ext>
     </p:extLst>
   </p:cSld>
@@ -780,7 +716,7 @@
           <a:p>
             <a:fld id="{20D4CDCA-5F51-4F16-BDEE-761A7284BA0F}" type="slidenum">
               <a:rPr lang="en-US" smtClean="0"/>
-              <a:t>12</a:t>
+              <a:t>11</a:t>
             </a:fld>
             <a:endParaRPr lang="en-US"/>
           </a:p>
@@ -789,7 +725,7 @@
     </p:spTree>
     <p:extLst>
       <p:ext uri="{BB962C8B-B14F-4D97-AF65-F5344CB8AC3E}">
-        <p14:creationId xmlns:p14="http://schemas.microsoft.com/office/powerpoint/2010/main" val="2101635950"/>
+        <p14:creationId xmlns:p14="http://schemas.microsoft.com/office/powerpoint/2010/main" val="1226105527"/>
       </p:ext>
     </p:extLst>
   </p:cSld>
@@ -838,6 +774,155 @@
             <p:ph type="body" idx="1"/>
           </p:nvPr>
         </p:nvSpPr>
+        <p:spPr>
+          <a:xfrm>
+            <a:off x="685800" y="4400549"/>
+            <a:ext cx="5486400" cy="3713789"/>
+          </a:xfrm>
+        </p:spPr>
+        <p:txBody>
+          <a:bodyPr/>
+          <a:lstStyle/>
+          <a:p>
+            <a:r>
+              <a:rPr lang="en-US" dirty="0"/>
+              <a:t>The code in the top right is simple Python that incrementally tests numbers to see if they are multiplicative inverses.  The Python range(n) function returns a list of integers between 0 and n-1.  In our case n = 26, so it gives a list 0, 1, 2, …, 25.  The break statement causes the for loop to quit when it finds the inverse we seek, where a * </a:t>
+            </a:r>
+            <a:r>
+              <a:rPr lang="en-US" dirty="0" err="1"/>
+              <a:t>i</a:t>
+            </a:r>
+            <a:r>
+              <a:rPr lang="en-US" dirty="0"/>
+              <a:t> % n = 1</a:t>
+            </a:r>
+          </a:p>
+          <a:p>
+            <a:endParaRPr lang="en-US" dirty="0"/>
+          </a:p>
+          <a:p>
+            <a:endParaRPr lang="en-US" dirty="0"/>
+          </a:p>
+          <a:p>
+            <a:r>
+              <a:rPr lang="en-US" dirty="0"/>
+              <a:t>Wikipedia has a nice explanation and a table showing several steps in the algorithm, as well as a mathematical proof. </a:t>
+            </a:r>
+            <a:r>
+              <a:rPr lang="en-US" dirty="0">
+                <a:hlinkClick r:id="rId3"/>
+              </a:rPr>
+              <a:t>https://en.wikipedia.org/wiki/Extended_Euclidean_algorithm</a:t>
+            </a:r>
+            <a:r>
+              <a:rPr lang="en-US" dirty="0"/>
+              <a:t>.  </a:t>
+            </a:r>
+          </a:p>
+          <a:p>
+            <a:endParaRPr lang="en-US" dirty="0"/>
+          </a:p>
+          <a:p>
+            <a:r>
+              <a:rPr lang="en-US" dirty="0"/>
+              <a:t>However, they didn’t give me any better feel for how the process works.  Instead, this lecture by Christoff </a:t>
+            </a:r>
+            <a:r>
+              <a:rPr lang="en-US" dirty="0" err="1"/>
+              <a:t>Paar</a:t>
+            </a:r>
+            <a:r>
+              <a:rPr lang="en-US" dirty="0"/>
+              <a:t> was great! </a:t>
+            </a:r>
+            <a:r>
+              <a:rPr lang="en-US" dirty="0">
+                <a:hlinkClick r:id="rId4"/>
+              </a:rPr>
+              <a:t>https://www.youtube.com/watch?v=fq6SXByItUI</a:t>
+            </a:r>
+            <a:r>
+              <a:rPr lang="en-US" dirty="0"/>
+              <a:t> </a:t>
+            </a:r>
+          </a:p>
+        </p:txBody>
+      </p:sp>
+      <p:sp>
+        <p:nvSpPr>
+          <p:cNvPr id="4" name="Slide Number Placeholder 3"/>
+          <p:cNvSpPr>
+            <a:spLocks noGrp="1"/>
+          </p:cNvSpPr>
+          <p:nvPr>
+            <p:ph type="sldNum" sz="quarter" idx="10"/>
+          </p:nvPr>
+        </p:nvSpPr>
+        <p:spPr/>
+        <p:txBody>
+          <a:bodyPr/>
+          <a:lstStyle/>
+          <a:p>
+            <a:fld id="{5CEE4049-D197-4118-BF97-B2C042C8F06E}" type="slidenum">
+              <a:rPr lang="en-US" smtClean="0"/>
+              <a:t>12</a:t>
+            </a:fld>
+            <a:endParaRPr lang="en-US"/>
+          </a:p>
+        </p:txBody>
+      </p:sp>
+    </p:spTree>
+    <p:extLst>
+      <p:ext uri="{BB962C8B-B14F-4D97-AF65-F5344CB8AC3E}">
+        <p14:creationId xmlns:p14="http://schemas.microsoft.com/office/powerpoint/2010/main" val="3440842352"/>
+      </p:ext>
+    </p:extLst>
+  </p:cSld>
+  <p:clrMapOvr>
+    <a:masterClrMapping/>
+  </p:clrMapOvr>
+</p:notes>
+</file>
+
+<file path=ppt/notesSlides/notesSlide13.xml><?xml version="1.0" encoding="utf-8"?>
+<p:notes xmlns:a="http://schemas.openxmlformats.org/drawingml/2006/main" xmlns:r="http://schemas.openxmlformats.org/officeDocument/2006/relationships" xmlns:p="http://schemas.openxmlformats.org/presentationml/2006/main">
+  <p:cSld>
+    <p:spTree>
+      <p:nvGrpSpPr>
+        <p:cNvPr id="1" name=""/>
+        <p:cNvGrpSpPr/>
+        <p:nvPr/>
+      </p:nvGrpSpPr>
+      <p:grpSpPr>
+        <a:xfrm>
+          <a:off x="0" y="0"/>
+          <a:ext cx="0" cy="0"/>
+          <a:chOff x="0" y="0"/>
+          <a:chExt cx="0" cy="0"/>
+        </a:xfrm>
+      </p:grpSpPr>
+      <p:sp>
+        <p:nvSpPr>
+          <p:cNvPr id="2" name="Slide Image Placeholder 1"/>
+          <p:cNvSpPr>
+            <a:spLocks noGrp="1" noRot="1" noChangeAspect="1"/>
+          </p:cNvSpPr>
+          <p:nvPr>
+            <p:ph type="sldImg"/>
+          </p:nvPr>
+        </p:nvSpPr>
+        <p:spPr/>
+      </p:sp>
+      <p:sp>
+        <p:nvSpPr>
+          <p:cNvPr id="3" name="Notes Placeholder 2"/>
+          <p:cNvSpPr>
+            <a:spLocks noGrp="1"/>
+          </p:cNvSpPr>
+          <p:nvPr>
+            <p:ph type="body" idx="1"/>
+          </p:nvPr>
+        </p:nvSpPr>
         <p:spPr/>
         <p:txBody>
           <a:bodyPr/>
@@ -865,6 +950,90 @@
             <a:fld id="{20D4CDCA-5F51-4F16-BDEE-761A7284BA0F}" type="slidenum">
               <a:rPr lang="en-US" smtClean="0"/>
               <a:t>13</a:t>
+            </a:fld>
+            <a:endParaRPr lang="en-US"/>
+          </a:p>
+        </p:txBody>
+      </p:sp>
+    </p:spTree>
+    <p:extLst>
+      <p:ext uri="{BB962C8B-B14F-4D97-AF65-F5344CB8AC3E}">
+        <p14:creationId xmlns:p14="http://schemas.microsoft.com/office/powerpoint/2010/main" val="2101635950"/>
+      </p:ext>
+    </p:extLst>
+  </p:cSld>
+  <p:clrMapOvr>
+    <a:masterClrMapping/>
+  </p:clrMapOvr>
+</p:notes>
+</file>
+
+<file path=ppt/notesSlides/notesSlide14.xml><?xml version="1.0" encoding="utf-8"?>
+<p:notes xmlns:a="http://schemas.openxmlformats.org/drawingml/2006/main" xmlns:r="http://schemas.openxmlformats.org/officeDocument/2006/relationships" xmlns:p="http://schemas.openxmlformats.org/presentationml/2006/main">
+  <p:cSld>
+    <p:spTree>
+      <p:nvGrpSpPr>
+        <p:cNvPr id="1" name=""/>
+        <p:cNvGrpSpPr/>
+        <p:nvPr/>
+      </p:nvGrpSpPr>
+      <p:grpSpPr>
+        <a:xfrm>
+          <a:off x="0" y="0"/>
+          <a:ext cx="0" cy="0"/>
+          <a:chOff x="0" y="0"/>
+          <a:chExt cx="0" cy="0"/>
+        </a:xfrm>
+      </p:grpSpPr>
+      <p:sp>
+        <p:nvSpPr>
+          <p:cNvPr id="2" name="Slide Image Placeholder 1"/>
+          <p:cNvSpPr>
+            <a:spLocks noGrp="1" noRot="1" noChangeAspect="1"/>
+          </p:cNvSpPr>
+          <p:nvPr>
+            <p:ph type="sldImg"/>
+          </p:nvPr>
+        </p:nvSpPr>
+        <p:spPr/>
+      </p:sp>
+      <p:sp>
+        <p:nvSpPr>
+          <p:cNvPr id="3" name="Notes Placeholder 2"/>
+          <p:cNvSpPr>
+            <a:spLocks noGrp="1"/>
+          </p:cNvSpPr>
+          <p:nvPr>
+            <p:ph type="body" idx="1"/>
+          </p:nvPr>
+        </p:nvSpPr>
+        <p:spPr/>
+        <p:txBody>
+          <a:bodyPr/>
+          <a:lstStyle/>
+          <a:p>
+            <a:endParaRPr lang="en-US"/>
+          </a:p>
+        </p:txBody>
+      </p:sp>
+      <p:sp>
+        <p:nvSpPr>
+          <p:cNvPr id="4" name="Slide Number Placeholder 3"/>
+          <p:cNvSpPr>
+            <a:spLocks noGrp="1"/>
+          </p:cNvSpPr>
+          <p:nvPr>
+            <p:ph type="sldNum" sz="quarter" idx="5"/>
+          </p:nvPr>
+        </p:nvSpPr>
+        <p:spPr/>
+        <p:txBody>
+          <a:bodyPr/>
+          <a:lstStyle/>
+          <a:p>
+            <a:fld id="{20D4CDCA-5F51-4F16-BDEE-761A7284BA0F}" type="slidenum">
+              <a:rPr lang="en-US" smtClean="0"/>
+              <a:t>14</a:t>
             </a:fld>
             <a:endParaRPr lang="en-US"/>
           </a:p>
@@ -883,7 +1052,7 @@
 </p:notes>
 </file>
 
-<file path=ppt/notesSlides/notesSlide13.xml><?xml version="1.0" encoding="utf-8"?>
+<file path=ppt/notesSlides/notesSlide15.xml><?xml version="1.0" encoding="utf-8"?>
 <p:notes xmlns:a="http://schemas.openxmlformats.org/drawingml/2006/main" xmlns:r="http://schemas.openxmlformats.org/officeDocument/2006/relationships" xmlns:p="http://schemas.openxmlformats.org/presentationml/2006/main">
   <p:cSld>
     <p:spTree>
@@ -1189,7 +1358,7 @@
           <a:p>
             <a:fld id="{5CEE4049-D197-4118-BF97-B2C042C8F06E}" type="slidenum">
               <a:rPr lang="en-US" smtClean="0"/>
-              <a:t>16</a:t>
+              <a:t>17</a:t>
             </a:fld>
             <a:endParaRPr lang="en-US"/>
           </a:p>
@@ -1273,7 +1442,7 @@
           <a:p>
             <a:fld id="{20D4CDCA-5F51-4F16-BDEE-761A7284BA0F}" type="slidenum">
               <a:rPr lang="en-US" smtClean="0"/>
-              <a:t>3</a:t>
+              <a:t>2</a:t>
             </a:fld>
             <a:endParaRPr lang="en-US"/>
           </a:p>
@@ -1282,7 +1451,7 @@
     </p:spTree>
     <p:extLst>
       <p:ext uri="{BB962C8B-B14F-4D97-AF65-F5344CB8AC3E}">
-        <p14:creationId xmlns:p14="http://schemas.microsoft.com/office/powerpoint/2010/main" val="2997978957"/>
+        <p14:creationId xmlns:p14="http://schemas.microsoft.com/office/powerpoint/2010/main" val="2706596704"/>
       </p:ext>
     </p:extLst>
   </p:cSld>
@@ -1357,7 +1526,7 @@
           <a:p>
             <a:fld id="{20D4CDCA-5F51-4F16-BDEE-761A7284BA0F}" type="slidenum">
               <a:rPr lang="en-US" smtClean="0"/>
-              <a:t>4</a:t>
+              <a:t>3</a:t>
             </a:fld>
             <a:endParaRPr lang="en-US"/>
           </a:p>
@@ -1366,7 +1535,7 @@
     </p:spTree>
     <p:extLst>
       <p:ext uri="{BB962C8B-B14F-4D97-AF65-F5344CB8AC3E}">
-        <p14:creationId xmlns:p14="http://schemas.microsoft.com/office/powerpoint/2010/main" val="729815815"/>
+        <p14:creationId xmlns:p14="http://schemas.microsoft.com/office/powerpoint/2010/main" val="2997978957"/>
       </p:ext>
     </p:extLst>
   </p:cSld>
@@ -1441,7 +1610,7 @@
           <a:p>
             <a:fld id="{20D4CDCA-5F51-4F16-BDEE-761A7284BA0F}" type="slidenum">
               <a:rPr lang="en-US" smtClean="0"/>
-              <a:t>5</a:t>
+              <a:t>4</a:t>
             </a:fld>
             <a:endParaRPr lang="en-US"/>
           </a:p>
@@ -1450,7 +1619,7 @@
     </p:spTree>
     <p:extLst>
       <p:ext uri="{BB962C8B-B14F-4D97-AF65-F5344CB8AC3E}">
-        <p14:creationId xmlns:p14="http://schemas.microsoft.com/office/powerpoint/2010/main" val="2271332856"/>
+        <p14:creationId xmlns:p14="http://schemas.microsoft.com/office/powerpoint/2010/main" val="729815815"/>
       </p:ext>
     </p:extLst>
   </p:cSld>
@@ -1525,7 +1694,7 @@
           <a:p>
             <a:fld id="{20D4CDCA-5F51-4F16-BDEE-761A7284BA0F}" type="slidenum">
               <a:rPr lang="en-US" smtClean="0"/>
-              <a:t>6</a:t>
+              <a:t>5</a:t>
             </a:fld>
             <a:endParaRPr lang="en-US"/>
           </a:p>
@@ -1534,7 +1703,7 @@
     </p:spTree>
     <p:extLst>
       <p:ext uri="{BB962C8B-B14F-4D97-AF65-F5344CB8AC3E}">
-        <p14:creationId xmlns:p14="http://schemas.microsoft.com/office/powerpoint/2010/main" val="3990485576"/>
+        <p14:creationId xmlns:p14="http://schemas.microsoft.com/office/powerpoint/2010/main" val="2271332856"/>
       </p:ext>
     </p:extLst>
   </p:cSld>
@@ -1609,7 +1778,7 @@
           <a:p>
             <a:fld id="{20D4CDCA-5F51-4F16-BDEE-761A7284BA0F}" type="slidenum">
               <a:rPr lang="en-US" smtClean="0"/>
-              <a:t>7</a:t>
+              <a:t>6</a:t>
             </a:fld>
             <a:endParaRPr lang="en-US"/>
           </a:p>
@@ -1618,7 +1787,7 @@
     </p:spTree>
     <p:extLst>
       <p:ext uri="{BB962C8B-B14F-4D97-AF65-F5344CB8AC3E}">
-        <p14:creationId xmlns:p14="http://schemas.microsoft.com/office/powerpoint/2010/main" val="859653805"/>
+        <p14:creationId xmlns:p14="http://schemas.microsoft.com/office/powerpoint/2010/main" val="3737193591"/>
       </p:ext>
     </p:extLst>
   </p:cSld>
@@ -1693,7 +1862,7 @@
           <a:p>
             <a:fld id="{20D4CDCA-5F51-4F16-BDEE-761A7284BA0F}" type="slidenum">
               <a:rPr lang="en-US" smtClean="0"/>
-              <a:t>8</a:t>
+              <a:t>7</a:t>
             </a:fld>
             <a:endParaRPr lang="en-US"/>
           </a:p>
@@ -1702,7 +1871,7 @@
     </p:spTree>
     <p:extLst>
       <p:ext uri="{BB962C8B-B14F-4D97-AF65-F5344CB8AC3E}">
-        <p14:creationId xmlns:p14="http://schemas.microsoft.com/office/powerpoint/2010/main" val="241672277"/>
+        <p14:creationId xmlns:p14="http://schemas.microsoft.com/office/powerpoint/2010/main" val="3990485576"/>
       </p:ext>
     </p:extLst>
   </p:cSld>
@@ -1777,7 +1946,7 @@
           <a:p>
             <a:fld id="{20D4CDCA-5F51-4F16-BDEE-761A7284BA0F}" type="slidenum">
               <a:rPr lang="en-US" smtClean="0"/>
-              <a:t>9</a:t>
+              <a:t>8</a:t>
             </a:fld>
             <a:endParaRPr lang="en-US"/>
           </a:p>
@@ -1786,7 +1955,7 @@
     </p:spTree>
     <p:extLst>
       <p:ext uri="{BB962C8B-B14F-4D97-AF65-F5344CB8AC3E}">
-        <p14:creationId xmlns:p14="http://schemas.microsoft.com/office/powerpoint/2010/main" val="1234247296"/>
+        <p14:creationId xmlns:p14="http://schemas.microsoft.com/office/powerpoint/2010/main" val="859653805"/>
       </p:ext>
     </p:extLst>
   </p:cSld>
@@ -1861,7 +2030,7 @@
           <a:p>
             <a:fld id="{20D4CDCA-5F51-4F16-BDEE-761A7284BA0F}" type="slidenum">
               <a:rPr lang="en-US" smtClean="0"/>
-              <a:t>10</a:t>
+              <a:t>9</a:t>
             </a:fld>
             <a:endParaRPr lang="en-US"/>
           </a:p>
@@ -1870,7 +2039,7 @@
     </p:spTree>
     <p:extLst>
       <p:ext uri="{BB962C8B-B14F-4D97-AF65-F5344CB8AC3E}">
-        <p14:creationId xmlns:p14="http://schemas.microsoft.com/office/powerpoint/2010/main" val="1226105527"/>
+        <p14:creationId xmlns:p14="http://schemas.microsoft.com/office/powerpoint/2010/main" val="241672277"/>
       </p:ext>
     </p:extLst>
   </p:cSld>
@@ -2027,7 +2196,7 @@
           <a:p>
             <a:fld id="{272BFD90-4C17-4F8F-9B2A-7FB96AF51220}" type="datetimeFigureOut">
               <a:rPr lang="en-US" smtClean="0"/>
-              <a:t>1/26/2023</a:t>
+              <a:t>2/5/2024</a:t>
             </a:fld>
             <a:endParaRPr lang="en-US"/>
           </a:p>
@@ -2225,7 +2394,7 @@
           <a:p>
             <a:fld id="{272BFD90-4C17-4F8F-9B2A-7FB96AF51220}" type="datetimeFigureOut">
               <a:rPr lang="en-US" smtClean="0"/>
-              <a:t>1/26/2023</a:t>
+              <a:t>2/5/2024</a:t>
             </a:fld>
             <a:endParaRPr lang="en-US"/>
           </a:p>
@@ -2433,7 +2602,7 @@
           <a:p>
             <a:fld id="{272BFD90-4C17-4F8F-9B2A-7FB96AF51220}" type="datetimeFigureOut">
               <a:rPr lang="en-US" smtClean="0"/>
-              <a:t>1/26/2023</a:t>
+              <a:t>2/5/2024</a:t>
             </a:fld>
             <a:endParaRPr lang="en-US"/>
           </a:p>
@@ -2631,7 +2800,7 @@
           <a:p>
             <a:fld id="{272BFD90-4C17-4F8F-9B2A-7FB96AF51220}" type="datetimeFigureOut">
               <a:rPr lang="en-US" smtClean="0"/>
-              <a:t>1/26/2023</a:t>
+              <a:t>2/5/2024</a:t>
             </a:fld>
             <a:endParaRPr lang="en-US"/>
           </a:p>
@@ -2906,7 +3075,7 @@
           <a:p>
             <a:fld id="{272BFD90-4C17-4F8F-9B2A-7FB96AF51220}" type="datetimeFigureOut">
               <a:rPr lang="en-US" smtClean="0"/>
-              <a:t>1/26/2023</a:t>
+              <a:t>2/5/2024</a:t>
             </a:fld>
             <a:endParaRPr lang="en-US"/>
           </a:p>
@@ -3171,7 +3340,7 @@
           <a:p>
             <a:fld id="{272BFD90-4C17-4F8F-9B2A-7FB96AF51220}" type="datetimeFigureOut">
               <a:rPr lang="en-US" smtClean="0"/>
-              <a:t>1/26/2023</a:t>
+              <a:t>2/5/2024</a:t>
             </a:fld>
             <a:endParaRPr lang="en-US"/>
           </a:p>
@@ -3583,7 +3752,7 @@
           <a:p>
             <a:fld id="{272BFD90-4C17-4F8F-9B2A-7FB96AF51220}" type="datetimeFigureOut">
               <a:rPr lang="en-US" smtClean="0"/>
-              <a:t>1/26/2023</a:t>
+              <a:t>2/5/2024</a:t>
             </a:fld>
             <a:endParaRPr lang="en-US"/>
           </a:p>
@@ -3724,7 +3893,7 @@
           <a:p>
             <a:fld id="{272BFD90-4C17-4F8F-9B2A-7FB96AF51220}" type="datetimeFigureOut">
               <a:rPr lang="en-US" smtClean="0"/>
-              <a:t>1/26/2023</a:t>
+              <a:t>2/5/2024</a:t>
             </a:fld>
             <a:endParaRPr lang="en-US"/>
           </a:p>
@@ -3837,7 +4006,7 @@
           <a:p>
             <a:fld id="{272BFD90-4C17-4F8F-9B2A-7FB96AF51220}" type="datetimeFigureOut">
               <a:rPr lang="en-US" smtClean="0"/>
-              <a:t>1/26/2023</a:t>
+              <a:t>2/5/2024</a:t>
             </a:fld>
             <a:endParaRPr lang="en-US"/>
           </a:p>
@@ -4148,7 +4317,7 @@
           <a:p>
             <a:fld id="{272BFD90-4C17-4F8F-9B2A-7FB96AF51220}" type="datetimeFigureOut">
               <a:rPr lang="en-US" smtClean="0"/>
-              <a:t>1/26/2023</a:t>
+              <a:t>2/5/2024</a:t>
             </a:fld>
             <a:endParaRPr lang="en-US"/>
           </a:p>
@@ -4436,7 +4605,7 @@
           <a:p>
             <a:fld id="{272BFD90-4C17-4F8F-9B2A-7FB96AF51220}" type="datetimeFigureOut">
               <a:rPr lang="en-US" smtClean="0"/>
-              <a:t>1/26/2023</a:t>
+              <a:t>2/5/2024</a:t>
             </a:fld>
             <a:endParaRPr lang="en-US"/>
           </a:p>
@@ -4677,7 +4846,7 @@
           <a:p>
             <a:fld id="{272BFD90-4C17-4F8F-9B2A-7FB96AF51220}" type="datetimeFigureOut">
               <a:rPr lang="en-US" smtClean="0"/>
-              <a:t>1/26/2023</a:t>
+              <a:t>2/5/2024</a:t>
             </a:fld>
             <a:endParaRPr lang="en-US"/>
           </a:p>
@@ -5207,6 +5376,165 @@
           <p:cNvPr id="2" name="Title 1">
             <a:extLst>
               <a:ext uri="{FF2B5EF4-FFF2-40B4-BE49-F238E27FC236}">
+                <a16:creationId xmlns:a16="http://schemas.microsoft.com/office/drawing/2014/main" id="{0170D0D0-B4DD-8D13-34CF-59AF836CFBDB}"/>
+              </a:ext>
+            </a:extLst>
+          </p:cNvPr>
+          <p:cNvSpPr>
+            <a:spLocks noGrp="1"/>
+          </p:cNvSpPr>
+          <p:nvPr>
+            <p:ph type="title"/>
+          </p:nvPr>
+        </p:nvSpPr>
+        <p:spPr/>
+        <p:txBody>
+          <a:bodyPr/>
+          <a:lstStyle/>
+          <a:p>
+            <a:r>
+              <a:rPr lang="en-US" dirty="0"/>
+              <a:t>Modular Inverse (2)</a:t>
+            </a:r>
+          </a:p>
+        </p:txBody>
+      </p:sp>
+      <p:sp>
+        <p:nvSpPr>
+          <p:cNvPr id="3" name="Content Placeholder 2">
+            <a:extLst>
+              <a:ext uri="{FF2B5EF4-FFF2-40B4-BE49-F238E27FC236}">
+                <a16:creationId xmlns:a16="http://schemas.microsoft.com/office/drawing/2014/main" id="{28BFA9F4-8AF1-DD3A-A7D4-695ED5514F6B}"/>
+              </a:ext>
+            </a:extLst>
+          </p:cNvPr>
+          <p:cNvSpPr>
+            <a:spLocks noGrp="1"/>
+          </p:cNvSpPr>
+          <p:nvPr>
+            <p:ph idx="1"/>
+          </p:nvPr>
+        </p:nvSpPr>
+        <p:spPr/>
+        <p:txBody>
+          <a:bodyPr>
+            <a:normAutofit lnSpcReduction="10000"/>
+          </a:bodyPr>
+          <a:lstStyle/>
+          <a:p>
+            <a:r>
+              <a:rPr lang="en-US" dirty="0"/>
+              <a:t>The equivalent to division in modular arithmetic (sort of) is multiplication by the modular inverse.</a:t>
+            </a:r>
+          </a:p>
+          <a:p>
+            <a:r>
+              <a:rPr lang="en-US" dirty="0"/>
+              <a:t>3 / 5 from real number arithmetic in modulus 26 converts to</a:t>
+            </a:r>
+          </a:p>
+          <a:p>
+            <a:r>
+              <a:rPr lang="en-US" dirty="0"/>
+              <a:t>3 * inverse (5 in modulus 26)</a:t>
+            </a:r>
+          </a:p>
+          <a:p>
+            <a:r>
+              <a:rPr lang="en-US" dirty="0"/>
+              <a:t>= 3 * 21 = 63</a:t>
+            </a:r>
+          </a:p>
+          <a:p>
+            <a:r>
+              <a:rPr lang="en-US" dirty="0"/>
+              <a:t>= 63 mod 26</a:t>
+            </a:r>
+          </a:p>
+          <a:p>
+            <a:r>
+              <a:rPr lang="en-US" dirty="0"/>
+              <a:t>= 11</a:t>
+            </a:r>
+          </a:p>
+          <a:p>
+            <a:pPr marL="0" indent="0">
+              <a:buNone/>
+            </a:pPr>
+            <a:endParaRPr lang="en-US" dirty="0"/>
+          </a:p>
+          <a:p>
+            <a:r>
+              <a:rPr lang="en-US" dirty="0"/>
+              <a:t>Check  5 * 11 mod 26 = 3</a:t>
+            </a:r>
+          </a:p>
+        </p:txBody>
+      </p:sp>
+      <p:pic>
+        <p:nvPicPr>
+          <p:cNvPr id="5" name="Picture 4">
+            <a:extLst>
+              <a:ext uri="{FF2B5EF4-FFF2-40B4-BE49-F238E27FC236}">
+                <a16:creationId xmlns:a16="http://schemas.microsoft.com/office/drawing/2014/main" id="{F20153A2-A644-7C32-2D24-8FFF9E5E175E}"/>
+              </a:ext>
+            </a:extLst>
+          </p:cNvPr>
+          <p:cNvPicPr>
+            <a:picLocks noChangeAspect="1"/>
+          </p:cNvPicPr>
+          <p:nvPr/>
+        </p:nvPicPr>
+        <p:blipFill rotWithShape="1">
+          <a:blip r:embed="rId3"/>
+          <a:srcRect r="45578"/>
+          <a:stretch/>
+        </p:blipFill>
+        <p:spPr>
+          <a:xfrm>
+            <a:off x="5649291" y="3712447"/>
+            <a:ext cx="3457387" cy="1904581"/>
+          </a:xfrm>
+          <a:prstGeom prst="rect">
+            <a:avLst/>
+          </a:prstGeom>
+        </p:spPr>
+      </p:pic>
+    </p:spTree>
+    <p:extLst>
+      <p:ext uri="{BB962C8B-B14F-4D97-AF65-F5344CB8AC3E}">
+        <p14:creationId xmlns:p14="http://schemas.microsoft.com/office/powerpoint/2010/main" val="365508623"/>
+      </p:ext>
+    </p:extLst>
+  </p:cSld>
+  <p:clrMapOvr>
+    <a:masterClrMapping/>
+  </p:clrMapOvr>
+</p:sld>
+</file>
+
+<file path=ppt/slides/slide11.xml><?xml version="1.0" encoding="utf-8"?>
+<p:sld xmlns:a="http://schemas.openxmlformats.org/drawingml/2006/main" xmlns:r="http://schemas.openxmlformats.org/officeDocument/2006/relationships" xmlns:p="http://schemas.openxmlformats.org/presentationml/2006/main">
+  <p:cSld>
+    <p:spTree>
+      <p:nvGrpSpPr>
+        <p:cNvPr id="1" name=""/>
+        <p:cNvGrpSpPr/>
+        <p:nvPr/>
+      </p:nvGrpSpPr>
+      <p:grpSpPr>
+        <a:xfrm>
+          <a:off x="0" y="0"/>
+          <a:ext cx="0" cy="0"/>
+          <a:chOff x="0" y="0"/>
+          <a:chExt cx="0" cy="0"/>
+        </a:xfrm>
+      </p:grpSpPr>
+      <p:sp>
+        <p:nvSpPr>
+          <p:cNvPr id="2" name="Title 1">
+            <a:extLst>
+              <a:ext uri="{FF2B5EF4-FFF2-40B4-BE49-F238E27FC236}">
                 <a16:creationId xmlns:a16="http://schemas.microsoft.com/office/drawing/2014/main" id="{6A91DF16-88FA-4F7F-A6D4-76246CB0606F}"/>
               </a:ext>
             </a:extLst>
@@ -5332,7 +5660,7 @@
 </p:sld>
 </file>
 
-<file path=ppt/slides/slide11.xml><?xml version="1.0" encoding="utf-8"?>
+<file path=ppt/slides/slide12.xml><?xml version="1.0" encoding="utf-8"?>
 <p:sld xmlns:a="http://schemas.openxmlformats.org/drawingml/2006/main" xmlns:r="http://schemas.openxmlformats.org/officeDocument/2006/relationships" xmlns:p="http://schemas.openxmlformats.org/presentationml/2006/main">
   <p:cSld>
     <p:spTree>
@@ -5565,7 +5893,7 @@
 </p:sld>
 </file>
 
-<file path=ppt/slides/slide12.xml><?xml version="1.0" encoding="utf-8"?>
+<file path=ppt/slides/slide13.xml><?xml version="1.0" encoding="utf-8"?>
 <p:sld xmlns:a="http://schemas.openxmlformats.org/drawingml/2006/main" xmlns:r="http://schemas.openxmlformats.org/officeDocument/2006/relationships" xmlns:p="http://schemas.openxmlformats.org/presentationml/2006/main">
   <p:cSld>
     <p:spTree>
@@ -5777,136 +6105,6 @@
 </p:sld>
 </file>
 
-<file path=ppt/slides/slide13.xml><?xml version="1.0" encoding="utf-8"?>
-<p:sld xmlns:a="http://schemas.openxmlformats.org/drawingml/2006/main" xmlns:r="http://schemas.openxmlformats.org/officeDocument/2006/relationships" xmlns:p="http://schemas.openxmlformats.org/presentationml/2006/main">
-  <p:cSld>
-    <p:spTree>
-      <p:nvGrpSpPr>
-        <p:cNvPr id="1" name=""/>
-        <p:cNvGrpSpPr/>
-        <p:nvPr/>
-      </p:nvGrpSpPr>
-      <p:grpSpPr>
-        <a:xfrm>
-          <a:off x="0" y="0"/>
-          <a:ext cx="0" cy="0"/>
-          <a:chOff x="0" y="0"/>
-          <a:chExt cx="0" cy="0"/>
-        </a:xfrm>
-      </p:grpSpPr>
-      <p:sp>
-        <p:nvSpPr>
-          <p:cNvPr id="2" name="Title 1">
-            <a:extLst>
-              <a:ext uri="{FF2B5EF4-FFF2-40B4-BE49-F238E27FC236}">
-                <a16:creationId xmlns:a16="http://schemas.microsoft.com/office/drawing/2014/main" id="{102BB239-C3F7-4678-9199-7FF222C9CBA6}"/>
-              </a:ext>
-            </a:extLst>
-          </p:cNvPr>
-          <p:cNvSpPr>
-            <a:spLocks noGrp="1"/>
-          </p:cNvSpPr>
-          <p:nvPr>
-            <p:ph type="title"/>
-          </p:nvPr>
-        </p:nvSpPr>
-        <p:spPr/>
-        <p:txBody>
-          <a:bodyPr/>
-          <a:lstStyle/>
-          <a:p>
-            <a:r>
-              <a:rPr lang="en-US" dirty="0"/>
-              <a:t>Why this is important</a:t>
-            </a:r>
-          </a:p>
-        </p:txBody>
-      </p:sp>
-      <p:sp>
-        <p:nvSpPr>
-          <p:cNvPr id="3" name="Content Placeholder 2">
-            <a:extLst>
-              <a:ext uri="{FF2B5EF4-FFF2-40B4-BE49-F238E27FC236}">
-                <a16:creationId xmlns:a16="http://schemas.microsoft.com/office/drawing/2014/main" id="{C565C817-69F2-4713-9D76-5649F88237F0}"/>
-              </a:ext>
-            </a:extLst>
-          </p:cNvPr>
-          <p:cNvSpPr>
-            <a:spLocks noGrp="1"/>
-          </p:cNvSpPr>
-          <p:nvPr>
-            <p:ph idx="1"/>
-          </p:nvPr>
-        </p:nvSpPr>
-        <p:spPr/>
-        <p:txBody>
-          <a:bodyPr/>
-          <a:lstStyle/>
-          <a:p>
-            <a:r>
-              <a:rPr lang="en-US" dirty="0"/>
-              <a:t>Most encryption uses modular arithmetic</a:t>
-            </a:r>
-          </a:p>
-          <a:p>
-            <a:r>
-              <a:rPr lang="en-US" dirty="0"/>
-              <a:t>Multiplication happens *a lot* in encryption</a:t>
-            </a:r>
-          </a:p>
-          <a:p>
-            <a:pPr lvl="1"/>
-            <a:r>
-              <a:rPr lang="en-US" dirty="0"/>
-              <a:t>Note:  taking a number to a power is just repeated multiplication</a:t>
-            </a:r>
-          </a:p>
-          <a:p>
-            <a:r>
-              <a:rPr lang="en-US" dirty="0"/>
-              <a:t>Modular Inverse happens *a lot* in encryption</a:t>
-            </a:r>
-          </a:p>
-          <a:p>
-            <a:r>
-              <a:rPr lang="en-US" dirty="0"/>
-              <a:t>Modular Inverse does not exist unless GCD = 1</a:t>
-            </a:r>
-          </a:p>
-          <a:p>
-            <a:pPr lvl="1"/>
-            <a:r>
-              <a:rPr lang="en-US" dirty="0"/>
-              <a:t>-&gt; no common divisors, or relatively prime</a:t>
-            </a:r>
-          </a:p>
-          <a:p>
-            <a:r>
-              <a:rPr lang="en-US" dirty="0"/>
-              <a:t>Therefore, prime numbers are important in encryption</a:t>
-            </a:r>
-          </a:p>
-          <a:p>
-            <a:r>
-              <a:rPr lang="en-US" dirty="0"/>
-              <a:t>Whether or not the inverse exists is important in encryption</a:t>
-            </a:r>
-          </a:p>
-        </p:txBody>
-      </p:sp>
-    </p:spTree>
-    <p:extLst>
-      <p:ext uri="{BB962C8B-B14F-4D97-AF65-F5344CB8AC3E}">
-        <p14:creationId xmlns:p14="http://schemas.microsoft.com/office/powerpoint/2010/main" val="2926470489"/>
-      </p:ext>
-    </p:extLst>
-  </p:cSld>
-  <p:clrMapOvr>
-    <a:masterClrMapping/>
-  </p:clrMapOvr>
-</p:sld>
-</file>
-
 <file path=ppt/slides/slide14.xml><?xml version="1.0" encoding="utf-8"?>
 <p:sld xmlns:a="http://schemas.openxmlformats.org/drawingml/2006/main" xmlns:r="http://schemas.openxmlformats.org/officeDocument/2006/relationships" xmlns:p="http://schemas.openxmlformats.org/presentationml/2006/main">
   <p:cSld>
@@ -5929,7 +6127,7 @@
           <p:cNvPr id="2" name="Title 1">
             <a:extLst>
               <a:ext uri="{FF2B5EF4-FFF2-40B4-BE49-F238E27FC236}">
-                <a16:creationId xmlns:a16="http://schemas.microsoft.com/office/drawing/2014/main" id="{E6996029-E1CF-C185-11DE-1ACEFBA27BF4}"/>
+                <a16:creationId xmlns:a16="http://schemas.microsoft.com/office/drawing/2014/main" id="{102BB239-C3F7-4678-9199-7FF222C9CBA6}"/>
               </a:ext>
             </a:extLst>
           </p:cNvPr>
@@ -5947,15 +6145,7 @@
           <a:p>
             <a:r>
               <a:rPr lang="en-US" dirty="0"/>
-              <a:t>Mathematical Language—Integer Ring  ℤ</a:t>
-            </a:r>
-            <a:r>
-              <a:rPr lang="en-US" baseline="-25000" dirty="0"/>
-              <a:t>n</a:t>
-            </a:r>
-            <a:r>
-              <a:rPr lang="en-US" dirty="0"/>
-              <a:t>  </a:t>
+              <a:t>Why this is important</a:t>
             </a:r>
           </a:p>
         </p:txBody>
@@ -5965,7 +6155,7 @@
           <p:cNvPr id="3" name="Content Placeholder 2">
             <a:extLst>
               <a:ext uri="{FF2B5EF4-FFF2-40B4-BE49-F238E27FC236}">
-                <a16:creationId xmlns:a16="http://schemas.microsoft.com/office/drawing/2014/main" id="{890C3E23-B02B-6F84-497C-DDD7348CD105}"/>
+                <a16:creationId xmlns:a16="http://schemas.microsoft.com/office/drawing/2014/main" id="{C565C817-69F2-4713-9D76-5649F88237F0}"/>
               </a:ext>
             </a:extLst>
           </p:cNvPr>
@@ -5983,70 +6173,51 @@
           <a:p>
             <a:r>
               <a:rPr lang="en-US" dirty="0"/>
-              <a:t>Integer symbol is ℤ</a:t>
-            </a:r>
-          </a:p>
-          <a:p>
-            <a:r>
-              <a:rPr lang="en-US" dirty="0"/>
-              <a:t>The subset {0, 1, …, n} is the integer </a:t>
-            </a:r>
-            <a:r>
-              <a:rPr lang="en-US" b="1" u="sng" dirty="0"/>
-              <a:t>Ring</a:t>
-            </a:r>
-            <a:r>
-              <a:rPr lang="en-US" dirty="0"/>
-              <a:t> ℤ</a:t>
-            </a:r>
-            <a:r>
-              <a:rPr lang="en-US" baseline="-25000" dirty="0"/>
-              <a:t>n </a:t>
-            </a:r>
-            <a:r>
-              <a:rPr lang="en-US" dirty="0"/>
-              <a:t>(sometimes ℤ/nℤ )</a:t>
-            </a:r>
-          </a:p>
-          <a:p>
-            <a:r>
-              <a:rPr lang="en-US" dirty="0"/>
-              <a:t>The normal laws, Identity, Associative, Commutative, and Distributive work for modular arithmetic with addition and multiplication</a:t>
-            </a:r>
-          </a:p>
-          <a:p>
-            <a:r>
-              <a:rPr lang="en-US" dirty="0"/>
-              <a:t>ℤ</a:t>
-            </a:r>
-            <a:r>
-              <a:rPr lang="en-US" baseline="-25000" dirty="0"/>
-              <a:t>n</a:t>
-            </a:r>
-            <a:r>
-              <a:rPr lang="en-US" dirty="0"/>
-              <a:t> is Closed under addition and multiplication</a:t>
-            </a:r>
-          </a:p>
-          <a:p>
-            <a:r>
-              <a:rPr lang="en-US" dirty="0"/>
-              <a:t>The inverse law works for addition, but may or may not work for multiplication</a:t>
+              <a:t>Most encryption uses modular arithmetic</a:t>
+            </a:r>
+          </a:p>
+          <a:p>
+            <a:r>
+              <a:rPr lang="en-US" dirty="0"/>
+              <a:t>Multiplication happens *a lot* in encryption</a:t>
             </a:r>
           </a:p>
           <a:p>
             <a:pPr lvl="1"/>
             <a:r>
               <a:rPr lang="en-US" dirty="0"/>
-              <a:t>Remember ℤ</a:t>
-            </a:r>
-            <a:r>
-              <a:rPr lang="en-US" baseline="-25000" dirty="0"/>
-              <a:t>26 </a:t>
-            </a:r>
-            <a:r>
-              <a:rPr lang="en-US" dirty="0"/>
-              <a:t>, where 2 does not have an inverse GCD(2, 26) = 2 ≠ 1</a:t>
+              <a:t>Note:  taking a number to a power is just repeated multiplication</a:t>
+            </a:r>
+          </a:p>
+          <a:p>
+            <a:r>
+              <a:rPr lang="en-US" dirty="0"/>
+              <a:t>Modular Inverse happens *a lot* in encryption</a:t>
+            </a:r>
+          </a:p>
+          <a:p>
+            <a:r>
+              <a:rPr lang="en-US" dirty="0"/>
+              <a:t>Modular Inverse does not exist unless GCD = 1</a:t>
+            </a:r>
+          </a:p>
+          <a:p>
+            <a:pPr lvl="1"/>
+            <a:r>
+              <a:rPr lang="en-US" dirty="0"/>
+              <a:t>-&gt; no common divisors, or relatively prime</a:t>
+            </a:r>
+          </a:p>
+          <a:p>
+            <a:r>
+              <a:rPr lang="en-US" dirty="0"/>
+              <a:t>Therefore, prime numbers are important in encryption</a:t>
+            </a:r>
+          </a:p>
+          <a:p>
+            <a:r>
+              <a:rPr lang="en-US" dirty="0"/>
+              <a:t>Whether or not the inverse exists is important in encryption</a:t>
             </a:r>
           </a:p>
         </p:txBody>
@@ -6054,7 +6225,7 @@
     </p:spTree>
     <p:extLst>
       <p:ext uri="{BB962C8B-B14F-4D97-AF65-F5344CB8AC3E}">
-        <p14:creationId xmlns:p14="http://schemas.microsoft.com/office/powerpoint/2010/main" val="1786697067"/>
+        <p14:creationId xmlns:p14="http://schemas.microsoft.com/office/powerpoint/2010/main" val="2926470489"/>
       </p:ext>
     </p:extLst>
   </p:cSld>
@@ -6086,7 +6257,7 @@
           <p:cNvPr id="2" name="Title 1">
             <a:extLst>
               <a:ext uri="{FF2B5EF4-FFF2-40B4-BE49-F238E27FC236}">
-                <a16:creationId xmlns:a16="http://schemas.microsoft.com/office/drawing/2014/main" id="{9F4CCDFC-5810-B198-0591-F1E32FF18933}"/>
+                <a16:creationId xmlns:a16="http://schemas.microsoft.com/office/drawing/2014/main" id="{E6996029-E1CF-C185-11DE-1ACEFBA27BF4}"/>
               </a:ext>
             </a:extLst>
           </p:cNvPr>
@@ -6104,35 +6275,7 @@
           <a:p>
             <a:r>
               <a:rPr lang="en-US" dirty="0"/>
-              <a:t>Prime Fields 𝔽</a:t>
-            </a:r>
-          </a:p>
-        </p:txBody>
-      </p:sp>
-      <p:sp>
-        <p:nvSpPr>
-          <p:cNvPr id="3" name="Content Placeholder 2">
-            <a:extLst>
-              <a:ext uri="{FF2B5EF4-FFF2-40B4-BE49-F238E27FC236}">
-                <a16:creationId xmlns:a16="http://schemas.microsoft.com/office/drawing/2014/main" id="{8E7A3218-B4A6-8B63-500D-DE05CB8EB662}"/>
-              </a:ext>
-            </a:extLst>
-          </p:cNvPr>
-          <p:cNvSpPr>
-            <a:spLocks noGrp="1"/>
-          </p:cNvSpPr>
-          <p:nvPr>
-            <p:ph idx="1"/>
-          </p:nvPr>
-        </p:nvSpPr>
-        <p:spPr/>
-        <p:txBody>
-          <a:bodyPr/>
-          <a:lstStyle/>
-          <a:p>
-            <a:r>
-              <a:rPr lang="en-US" dirty="0"/>
-              <a:t>An integer ring ℤ</a:t>
+              <a:t>Mathematical Language—Integer Ring  ℤ</a:t>
             </a:r>
             <a:r>
               <a:rPr lang="en-US" baseline="-25000" dirty="0"/>
@@ -6140,6 +6283,191 @@
             </a:r>
             <a:r>
               <a:rPr lang="en-US" dirty="0"/>
+              <a:t>  </a:t>
+            </a:r>
+          </a:p>
+        </p:txBody>
+      </p:sp>
+      <p:sp>
+        <p:nvSpPr>
+          <p:cNvPr id="3" name="Content Placeholder 2">
+            <a:extLst>
+              <a:ext uri="{FF2B5EF4-FFF2-40B4-BE49-F238E27FC236}">
+                <a16:creationId xmlns:a16="http://schemas.microsoft.com/office/drawing/2014/main" id="{890C3E23-B02B-6F84-497C-DDD7348CD105}"/>
+              </a:ext>
+            </a:extLst>
+          </p:cNvPr>
+          <p:cNvSpPr>
+            <a:spLocks noGrp="1"/>
+          </p:cNvSpPr>
+          <p:nvPr>
+            <p:ph idx="1"/>
+          </p:nvPr>
+        </p:nvSpPr>
+        <p:spPr/>
+        <p:txBody>
+          <a:bodyPr/>
+          <a:lstStyle/>
+          <a:p>
+            <a:r>
+              <a:rPr lang="en-US" dirty="0"/>
+              <a:t>Integer symbol is ℤ</a:t>
+            </a:r>
+          </a:p>
+          <a:p>
+            <a:r>
+              <a:rPr lang="en-US" dirty="0"/>
+              <a:t>The subset {0, 1, …, n} is the integer </a:t>
+            </a:r>
+            <a:r>
+              <a:rPr lang="en-US" b="1" u="sng" dirty="0"/>
+              <a:t>Ring</a:t>
+            </a:r>
+            <a:r>
+              <a:rPr lang="en-US" dirty="0"/>
+              <a:t> ℤ</a:t>
+            </a:r>
+            <a:r>
+              <a:rPr lang="en-US" baseline="-25000" dirty="0"/>
+              <a:t>n </a:t>
+            </a:r>
+            <a:r>
+              <a:rPr lang="en-US" dirty="0"/>
+              <a:t>(sometimes ℤ/nℤ )</a:t>
+            </a:r>
+          </a:p>
+          <a:p>
+            <a:r>
+              <a:rPr lang="en-US" dirty="0"/>
+              <a:t>The normal laws, Identity, Associative, Commutative, and Distributive work for modular arithmetic with addition and multiplication</a:t>
+            </a:r>
+          </a:p>
+          <a:p>
+            <a:r>
+              <a:rPr lang="en-US" dirty="0"/>
+              <a:t>ℤ</a:t>
+            </a:r>
+            <a:r>
+              <a:rPr lang="en-US" baseline="-25000" dirty="0"/>
+              <a:t>n</a:t>
+            </a:r>
+            <a:r>
+              <a:rPr lang="en-US" dirty="0"/>
+              <a:t> is Closed under addition and multiplication</a:t>
+            </a:r>
+          </a:p>
+          <a:p>
+            <a:r>
+              <a:rPr lang="en-US" dirty="0"/>
+              <a:t>The inverse law works for addition, but may or may not work for multiplication</a:t>
+            </a:r>
+          </a:p>
+          <a:p>
+            <a:pPr lvl="1"/>
+            <a:r>
+              <a:rPr lang="en-US" dirty="0"/>
+              <a:t>Remember ℤ</a:t>
+            </a:r>
+            <a:r>
+              <a:rPr lang="en-US" baseline="-25000" dirty="0"/>
+              <a:t>26 </a:t>
+            </a:r>
+            <a:r>
+              <a:rPr lang="en-US" dirty="0"/>
+              <a:t>, where 2 does not have an inverse GCD(2, 26) = 2 ≠ 1</a:t>
+            </a:r>
+          </a:p>
+        </p:txBody>
+      </p:sp>
+    </p:spTree>
+    <p:extLst>
+      <p:ext uri="{BB962C8B-B14F-4D97-AF65-F5344CB8AC3E}">
+        <p14:creationId xmlns:p14="http://schemas.microsoft.com/office/powerpoint/2010/main" val="1786697067"/>
+      </p:ext>
+    </p:extLst>
+  </p:cSld>
+  <p:clrMapOvr>
+    <a:masterClrMapping/>
+  </p:clrMapOvr>
+</p:sld>
+</file>
+
+<file path=ppt/slides/slide16.xml><?xml version="1.0" encoding="utf-8"?>
+<p:sld xmlns:a="http://schemas.openxmlformats.org/drawingml/2006/main" xmlns:r="http://schemas.openxmlformats.org/officeDocument/2006/relationships" xmlns:p="http://schemas.openxmlformats.org/presentationml/2006/main">
+  <p:cSld>
+    <p:spTree>
+      <p:nvGrpSpPr>
+        <p:cNvPr id="1" name=""/>
+        <p:cNvGrpSpPr/>
+        <p:nvPr/>
+      </p:nvGrpSpPr>
+      <p:grpSpPr>
+        <a:xfrm>
+          <a:off x="0" y="0"/>
+          <a:ext cx="0" cy="0"/>
+          <a:chOff x="0" y="0"/>
+          <a:chExt cx="0" cy="0"/>
+        </a:xfrm>
+      </p:grpSpPr>
+      <p:sp>
+        <p:nvSpPr>
+          <p:cNvPr id="2" name="Title 1">
+            <a:extLst>
+              <a:ext uri="{FF2B5EF4-FFF2-40B4-BE49-F238E27FC236}">
+                <a16:creationId xmlns:a16="http://schemas.microsoft.com/office/drawing/2014/main" id="{9F4CCDFC-5810-B198-0591-F1E32FF18933}"/>
+              </a:ext>
+            </a:extLst>
+          </p:cNvPr>
+          <p:cNvSpPr>
+            <a:spLocks noGrp="1"/>
+          </p:cNvSpPr>
+          <p:nvPr>
+            <p:ph type="title"/>
+          </p:nvPr>
+        </p:nvSpPr>
+        <p:spPr/>
+        <p:txBody>
+          <a:bodyPr/>
+          <a:lstStyle/>
+          <a:p>
+            <a:r>
+              <a:rPr lang="en-US" dirty="0"/>
+              <a:t>Prime Fields 𝔽</a:t>
+            </a:r>
+          </a:p>
+        </p:txBody>
+      </p:sp>
+      <p:sp>
+        <p:nvSpPr>
+          <p:cNvPr id="3" name="Content Placeholder 2">
+            <a:extLst>
+              <a:ext uri="{FF2B5EF4-FFF2-40B4-BE49-F238E27FC236}">
+                <a16:creationId xmlns:a16="http://schemas.microsoft.com/office/drawing/2014/main" id="{8E7A3218-B4A6-8B63-500D-DE05CB8EB662}"/>
+              </a:ext>
+            </a:extLst>
+          </p:cNvPr>
+          <p:cNvSpPr>
+            <a:spLocks noGrp="1"/>
+          </p:cNvSpPr>
+          <p:nvPr>
+            <p:ph idx="1"/>
+          </p:nvPr>
+        </p:nvSpPr>
+        <p:spPr/>
+        <p:txBody>
+          <a:bodyPr/>
+          <a:lstStyle/>
+          <a:p>
+            <a:r>
+              <a:rPr lang="en-US" dirty="0"/>
+              <a:t>An integer ring ℤ</a:t>
+            </a:r>
+            <a:r>
+              <a:rPr lang="en-US" baseline="-25000" dirty="0"/>
+              <a:t>n</a:t>
+            </a:r>
+            <a:r>
+              <a:rPr lang="en-US" dirty="0"/>
               <a:t> , where n is a prime number, is a prime </a:t>
             </a:r>
             <a:r>
@@ -6209,7 +6537,7 @@
             </a:r>
             <a:r>
               <a:rPr lang="en-US" dirty="0"/>
-              <a:t> is just a ring, 26 is not prime (or composite)</a:t>
+              <a:t> is just a ring, 26 is not prime (or is composite)</a:t>
             </a:r>
           </a:p>
           <a:p>
@@ -6252,7 +6580,7 @@
 </p:sld>
 </file>
 
-<file path=ppt/slides/slide16.xml><?xml version="1.0" encoding="utf-8"?>
+<file path=ppt/slides/slide17.xml><?xml version="1.0" encoding="utf-8"?>
 <p:sld xmlns:a="http://schemas.openxmlformats.org/drawingml/2006/main" xmlns:r="http://schemas.openxmlformats.org/officeDocument/2006/relationships" xmlns:p="http://schemas.openxmlformats.org/presentationml/2006/main">
   <p:cSld>
     <p:spTree>
@@ -6701,7 +7029,7 @@
           </p:nvPr>
         </p:nvPicPr>
         <p:blipFill>
-          <a:blip r:embed="rId2">
+          <a:blip r:embed="rId3">
             <a:extLst>
               <a:ext uri="{28A0092B-C50C-407E-A947-70E740481C1C}">
                 <a14:useLocalDpi xmlns:a14="http://schemas.microsoft.com/office/drawing/2010/main" val="0"/>
@@ -7296,10 +7624,10 @@
       </p:cxnSp>
       <p:pic>
         <p:nvPicPr>
-          <p:cNvPr id="5" name="Picture 4">
-            <a:extLst>
-              <a:ext uri="{FF2B5EF4-FFF2-40B4-BE49-F238E27FC236}">
-                <a16:creationId xmlns:a16="http://schemas.microsoft.com/office/drawing/2014/main" id="{98AB912E-E9E3-E8E1-A34B-2520814DBF7F}"/>
+          <p:cNvPr id="6" name="Picture 5">
+            <a:extLst>
+              <a:ext uri="{FF2B5EF4-FFF2-40B4-BE49-F238E27FC236}">
+                <a16:creationId xmlns:a16="http://schemas.microsoft.com/office/drawing/2014/main" id="{15E77FE6-73A6-32AB-1B69-67A377A51882}"/>
               </a:ext>
             </a:extLst>
           </p:cNvPr>
@@ -7316,8 +7644,8 @@
         </p:blipFill>
         <p:spPr>
           <a:xfrm>
-            <a:off x="981497" y="2433529"/>
-            <a:ext cx="8690520" cy="1003742"/>
+            <a:off x="1016128" y="2505986"/>
+            <a:ext cx="8718239" cy="1320056"/>
           </a:xfrm>
           <a:prstGeom prst="rect">
             <a:avLst/>
@@ -7359,7 +7687,7 @@
           <p:cNvPr id="2" name="Title 1">
             <a:extLst>
               <a:ext uri="{FF2B5EF4-FFF2-40B4-BE49-F238E27FC236}">
-                <a16:creationId xmlns:a16="http://schemas.microsoft.com/office/drawing/2014/main" id="{5FF81F90-013E-4A17-8F82-E1EE33DC7BAF}"/>
+                <a16:creationId xmlns:a16="http://schemas.microsoft.com/office/drawing/2014/main" id="{E0B3F4F8-6744-7C30-2E1E-E11DA0A6A205}"/>
               </a:ext>
             </a:extLst>
           </p:cNvPr>
@@ -7377,97 +7705,2909 @@
           <a:p>
             <a:r>
               <a:rPr lang="en-US" dirty="0"/>
-              <a:t>Modular Multiplication (2)</a:t>
-            </a:r>
-          </a:p>
-        </p:txBody>
-      </p:sp>
-      <p:sp>
-        <p:nvSpPr>
-          <p:cNvPr id="3" name="Content Placeholder 2">
-            <a:extLst>
-              <a:ext uri="{FF2B5EF4-FFF2-40B4-BE49-F238E27FC236}">
-                <a16:creationId xmlns:a16="http://schemas.microsoft.com/office/drawing/2014/main" id="{F8C00842-63E1-42EB-8D86-4EC7E779ACA2}"/>
-              </a:ext>
-            </a:extLst>
-          </p:cNvPr>
-          <p:cNvSpPr>
-            <a:spLocks noGrp="1"/>
-          </p:cNvSpPr>
-          <p:nvPr>
-            <p:ph idx="1"/>
-          </p:nvPr>
-        </p:nvSpPr>
-        <p:spPr/>
-        <p:txBody>
-          <a:bodyPr/>
-          <a:lstStyle/>
-          <a:p>
-            <a:r>
-              <a:rPr lang="en-US" dirty="0"/>
-              <a:t>If multiplier and the modulus share a common divisor,</a:t>
-            </a:r>
-          </a:p>
-          <a:p>
-            <a:pPr lvl="1"/>
-            <a:r>
-              <a:rPr lang="en-US" dirty="0"/>
-              <a:t>Multiplication “wraps” onto same space, over and over</a:t>
-            </a:r>
-          </a:p>
-          <a:p>
-            <a:pPr lvl="1"/>
-            <a:r>
-              <a:rPr lang="en-US" dirty="0"/>
-              <a:t>Example:  (13 * index) mod 26</a:t>
-            </a:r>
-          </a:p>
-          <a:p>
-            <a:pPr lvl="1"/>
-            <a:r>
-              <a:rPr lang="en-US" dirty="0"/>
-              <a:t>13 and 26 are both divisible by 2, so 2 is common divisor</a:t>
-            </a:r>
-          </a:p>
-          <a:p>
-            <a:pPr lvl="1"/>
-            <a:r>
-              <a:rPr lang="en-US" dirty="0"/>
-              <a:t>0 and 13 are the only answers we get</a:t>
-            </a:r>
-          </a:p>
-          <a:p>
-            <a:r>
-              <a:rPr lang="en-US" dirty="0"/>
-              <a:t>Not good for encryption</a:t>
-            </a:r>
-          </a:p>
-          <a:p>
-            <a:r>
-              <a:rPr lang="en-US" dirty="0"/>
-              <a:t>But if the modulus were 29 instead of 26…</a:t>
-            </a:r>
-          </a:p>
-          <a:p>
-            <a:pPr lvl="1"/>
-            <a:r>
-              <a:rPr lang="en-US" dirty="0"/>
-              <a:t>29 is a prime number, it is only divisible by 1</a:t>
-            </a:r>
-          </a:p>
-          <a:p>
-            <a:pPr lvl="1"/>
-            <a:r>
-              <a:rPr lang="en-US" dirty="0"/>
-              <a:t>We could multiply by any number 0 - 28 without problems</a:t>
-            </a:r>
-          </a:p>
-        </p:txBody>
-      </p:sp>
+              <a:t>3*index—1 to 1 map        13*index—OOPS!</a:t>
+            </a:r>
+          </a:p>
+        </p:txBody>
+      </p:sp>
+      <p:sp>
+        <p:nvSpPr>
+          <p:cNvPr id="4" name="TextBox 3">
+            <a:extLst>
+              <a:ext uri="{FF2B5EF4-FFF2-40B4-BE49-F238E27FC236}">
+                <a16:creationId xmlns:a16="http://schemas.microsoft.com/office/drawing/2014/main" id="{DCF670CF-51C2-0A7E-9208-9E279ADDFB0B}"/>
+              </a:ext>
+            </a:extLst>
+          </p:cNvPr>
+          <p:cNvSpPr txBox="1"/>
+          <p:nvPr/>
+        </p:nvSpPr>
+        <p:spPr>
+          <a:xfrm>
+            <a:off x="1250576" y="2111188"/>
+            <a:ext cx="1949824" cy="3970318"/>
+          </a:xfrm>
+          <a:prstGeom prst="rect">
+            <a:avLst/>
+          </a:prstGeom>
+          <a:noFill/>
+        </p:spPr>
+        <p:txBody>
+          <a:bodyPr wrap="square" rtlCol="0">
+            <a:spAutoFit/>
+          </a:bodyPr>
+          <a:lstStyle/>
+          <a:p>
+            <a:r>
+              <a:rPr lang="en-US" dirty="0"/>
+              <a:t>A	O</a:t>
+            </a:r>
+          </a:p>
+          <a:p>
+            <a:r>
+              <a:rPr lang="en-US" dirty="0"/>
+              <a:t>B	P</a:t>
+            </a:r>
+          </a:p>
+          <a:p>
+            <a:r>
+              <a:rPr lang="en-US" dirty="0"/>
+              <a:t>C	Q</a:t>
+            </a:r>
+          </a:p>
+          <a:p>
+            <a:r>
+              <a:rPr lang="en-US" dirty="0"/>
+              <a:t>D	R</a:t>
+            </a:r>
+          </a:p>
+          <a:p>
+            <a:r>
+              <a:rPr lang="en-US" dirty="0"/>
+              <a:t>E	S</a:t>
+            </a:r>
+          </a:p>
+          <a:p>
+            <a:r>
+              <a:rPr lang="en-US" dirty="0"/>
+              <a:t>F	T</a:t>
+            </a:r>
+          </a:p>
+          <a:p>
+            <a:r>
+              <a:rPr lang="en-US" dirty="0"/>
+              <a:t>G	U</a:t>
+            </a:r>
+          </a:p>
+          <a:p>
+            <a:r>
+              <a:rPr lang="en-US" dirty="0"/>
+              <a:t>H	V</a:t>
+            </a:r>
+          </a:p>
+          <a:p>
+            <a:r>
+              <a:rPr lang="en-US" dirty="0"/>
+              <a:t>I	W</a:t>
+            </a:r>
+          </a:p>
+          <a:p>
+            <a:r>
+              <a:rPr lang="en-US" dirty="0"/>
+              <a:t>J	X</a:t>
+            </a:r>
+          </a:p>
+          <a:p>
+            <a:r>
+              <a:rPr lang="en-US" dirty="0"/>
+              <a:t>K	Y</a:t>
+            </a:r>
+          </a:p>
+          <a:p>
+            <a:r>
+              <a:rPr lang="en-US" dirty="0"/>
+              <a:t>L	Z</a:t>
+            </a:r>
+          </a:p>
+          <a:p>
+            <a:r>
+              <a:rPr lang="en-US" dirty="0"/>
+              <a:t>M</a:t>
+            </a:r>
+          </a:p>
+          <a:p>
+            <a:r>
+              <a:rPr lang="en-US" dirty="0"/>
+              <a:t>N</a:t>
+            </a:r>
+          </a:p>
+        </p:txBody>
+      </p:sp>
+      <p:sp>
+        <p:nvSpPr>
+          <p:cNvPr id="5" name="TextBox 4">
+            <a:extLst>
+              <a:ext uri="{FF2B5EF4-FFF2-40B4-BE49-F238E27FC236}">
+                <a16:creationId xmlns:a16="http://schemas.microsoft.com/office/drawing/2014/main" id="{5B0E84A1-CA20-9600-A9ED-87A6870A104E}"/>
+              </a:ext>
+            </a:extLst>
+          </p:cNvPr>
+          <p:cNvSpPr txBox="1"/>
+          <p:nvPr/>
+        </p:nvSpPr>
+        <p:spPr>
+          <a:xfrm>
+            <a:off x="3662082" y="2111188"/>
+            <a:ext cx="1949824" cy="3970318"/>
+          </a:xfrm>
+          <a:prstGeom prst="rect">
+            <a:avLst/>
+          </a:prstGeom>
+          <a:noFill/>
+        </p:spPr>
+        <p:txBody>
+          <a:bodyPr wrap="square" rtlCol="0">
+            <a:spAutoFit/>
+          </a:bodyPr>
+          <a:lstStyle/>
+          <a:p>
+            <a:r>
+              <a:rPr lang="en-US" dirty="0"/>
+              <a:t>A	O</a:t>
+            </a:r>
+          </a:p>
+          <a:p>
+            <a:r>
+              <a:rPr lang="en-US" dirty="0"/>
+              <a:t>B	P</a:t>
+            </a:r>
+          </a:p>
+          <a:p>
+            <a:r>
+              <a:rPr lang="en-US" dirty="0"/>
+              <a:t>C	Q</a:t>
+            </a:r>
+          </a:p>
+          <a:p>
+            <a:r>
+              <a:rPr lang="en-US" dirty="0"/>
+              <a:t>D	R</a:t>
+            </a:r>
+          </a:p>
+          <a:p>
+            <a:r>
+              <a:rPr lang="en-US" dirty="0"/>
+              <a:t>E	S</a:t>
+            </a:r>
+          </a:p>
+          <a:p>
+            <a:r>
+              <a:rPr lang="en-US" dirty="0"/>
+              <a:t>F	T</a:t>
+            </a:r>
+          </a:p>
+          <a:p>
+            <a:r>
+              <a:rPr lang="en-US" dirty="0"/>
+              <a:t>G	U</a:t>
+            </a:r>
+          </a:p>
+          <a:p>
+            <a:r>
+              <a:rPr lang="en-US" dirty="0"/>
+              <a:t>H	V</a:t>
+            </a:r>
+          </a:p>
+          <a:p>
+            <a:r>
+              <a:rPr lang="en-US" dirty="0"/>
+              <a:t>I	W</a:t>
+            </a:r>
+          </a:p>
+          <a:p>
+            <a:r>
+              <a:rPr lang="en-US" dirty="0"/>
+              <a:t>J	X</a:t>
+            </a:r>
+          </a:p>
+          <a:p>
+            <a:r>
+              <a:rPr lang="en-US" dirty="0"/>
+              <a:t>K	Y</a:t>
+            </a:r>
+          </a:p>
+          <a:p>
+            <a:r>
+              <a:rPr lang="en-US" dirty="0"/>
+              <a:t>L	Z</a:t>
+            </a:r>
+          </a:p>
+          <a:p>
+            <a:r>
+              <a:rPr lang="en-US" dirty="0"/>
+              <a:t>M</a:t>
+            </a:r>
+          </a:p>
+          <a:p>
+            <a:r>
+              <a:rPr lang="en-US" dirty="0"/>
+              <a:t>N</a:t>
+            </a:r>
+          </a:p>
+        </p:txBody>
+      </p:sp>
+      <p:cxnSp>
+        <p:nvCxnSpPr>
+          <p:cNvPr id="8" name="Straight Arrow Connector 7">
+            <a:extLst>
+              <a:ext uri="{FF2B5EF4-FFF2-40B4-BE49-F238E27FC236}">
+                <a16:creationId xmlns:a16="http://schemas.microsoft.com/office/drawing/2014/main" id="{60314B8D-CD7E-DC83-B55E-8356A95E9113}"/>
+              </a:ext>
+            </a:extLst>
+          </p:cNvPr>
+          <p:cNvCxnSpPr>
+            <a:cxnSpLocks/>
+          </p:cNvCxnSpPr>
+          <p:nvPr/>
+        </p:nvCxnSpPr>
+        <p:spPr>
+          <a:xfrm>
+            <a:off x="1438835" y="2312894"/>
+            <a:ext cx="2223247" cy="0"/>
+          </a:xfrm>
+          <a:prstGeom prst="straightConnector1">
+            <a:avLst/>
+          </a:prstGeom>
+          <a:ln>
+            <a:tailEnd type="triangle"/>
+          </a:ln>
+        </p:spPr>
+        <p:style>
+          <a:lnRef idx="1">
+            <a:schemeClr val="accent1"/>
+          </a:lnRef>
+          <a:fillRef idx="0">
+            <a:schemeClr val="accent1"/>
+          </a:fillRef>
+          <a:effectRef idx="0">
+            <a:schemeClr val="accent1"/>
+          </a:effectRef>
+          <a:fontRef idx="minor">
+            <a:schemeClr val="tx1"/>
+          </a:fontRef>
+        </p:style>
+      </p:cxnSp>
+      <p:cxnSp>
+        <p:nvCxnSpPr>
+          <p:cNvPr id="10" name="Straight Arrow Connector 9">
+            <a:extLst>
+              <a:ext uri="{FF2B5EF4-FFF2-40B4-BE49-F238E27FC236}">
+                <a16:creationId xmlns:a16="http://schemas.microsoft.com/office/drawing/2014/main" id="{ADAFCB54-DCF4-54D3-3779-363D89BBD78D}"/>
+              </a:ext>
+            </a:extLst>
+          </p:cNvPr>
+          <p:cNvCxnSpPr>
+            <a:cxnSpLocks/>
+          </p:cNvCxnSpPr>
+          <p:nvPr/>
+        </p:nvCxnSpPr>
+        <p:spPr>
+          <a:xfrm>
+            <a:off x="1438835" y="2559741"/>
+            <a:ext cx="2223247" cy="506188"/>
+          </a:xfrm>
+          <a:prstGeom prst="straightConnector1">
+            <a:avLst/>
+          </a:prstGeom>
+          <a:ln>
+            <a:tailEnd type="triangle"/>
+          </a:ln>
+        </p:spPr>
+        <p:style>
+          <a:lnRef idx="1">
+            <a:schemeClr val="accent1"/>
+          </a:lnRef>
+          <a:fillRef idx="0">
+            <a:schemeClr val="accent1"/>
+          </a:fillRef>
+          <a:effectRef idx="0">
+            <a:schemeClr val="accent1"/>
+          </a:effectRef>
+          <a:fontRef idx="minor">
+            <a:schemeClr val="tx1"/>
+          </a:fontRef>
+        </p:style>
+      </p:cxnSp>
+      <p:cxnSp>
+        <p:nvCxnSpPr>
+          <p:cNvPr id="15" name="Straight Arrow Connector 14">
+            <a:extLst>
+              <a:ext uri="{FF2B5EF4-FFF2-40B4-BE49-F238E27FC236}">
+                <a16:creationId xmlns:a16="http://schemas.microsoft.com/office/drawing/2014/main" id="{DF4E38D2-577B-19BA-E447-CD819CDE22BE}"/>
+              </a:ext>
+            </a:extLst>
+          </p:cNvPr>
+          <p:cNvCxnSpPr>
+            <a:cxnSpLocks/>
+          </p:cNvCxnSpPr>
+          <p:nvPr/>
+        </p:nvCxnSpPr>
+        <p:spPr>
+          <a:xfrm>
+            <a:off x="1438835" y="2935101"/>
+            <a:ext cx="2223247" cy="977993"/>
+          </a:xfrm>
+          <a:prstGeom prst="straightConnector1">
+            <a:avLst/>
+          </a:prstGeom>
+          <a:ln>
+            <a:tailEnd type="triangle"/>
+          </a:ln>
+        </p:spPr>
+        <p:style>
+          <a:lnRef idx="1">
+            <a:schemeClr val="accent1"/>
+          </a:lnRef>
+          <a:fillRef idx="0">
+            <a:schemeClr val="accent1"/>
+          </a:fillRef>
+          <a:effectRef idx="0">
+            <a:schemeClr val="accent1"/>
+          </a:effectRef>
+          <a:fontRef idx="minor">
+            <a:schemeClr val="tx1"/>
+          </a:fontRef>
+        </p:style>
+      </p:cxnSp>
+      <p:cxnSp>
+        <p:nvCxnSpPr>
+          <p:cNvPr id="16" name="Straight Arrow Connector 15">
+            <a:extLst>
+              <a:ext uri="{FF2B5EF4-FFF2-40B4-BE49-F238E27FC236}">
+                <a16:creationId xmlns:a16="http://schemas.microsoft.com/office/drawing/2014/main" id="{5B57F809-2902-83DB-EDB7-AC16ED58C50B}"/>
+              </a:ext>
+            </a:extLst>
+          </p:cNvPr>
+          <p:cNvCxnSpPr>
+            <a:cxnSpLocks/>
+          </p:cNvCxnSpPr>
+          <p:nvPr/>
+        </p:nvCxnSpPr>
+        <p:spPr>
+          <a:xfrm>
+            <a:off x="1438835" y="3065929"/>
+            <a:ext cx="2223247" cy="1653989"/>
+          </a:xfrm>
+          <a:prstGeom prst="straightConnector1">
+            <a:avLst/>
+          </a:prstGeom>
+          <a:ln>
+            <a:tailEnd type="triangle"/>
+          </a:ln>
+        </p:spPr>
+        <p:style>
+          <a:lnRef idx="1">
+            <a:schemeClr val="accent1"/>
+          </a:lnRef>
+          <a:fillRef idx="0">
+            <a:schemeClr val="accent1"/>
+          </a:fillRef>
+          <a:effectRef idx="0">
+            <a:schemeClr val="accent1"/>
+          </a:effectRef>
+          <a:fontRef idx="minor">
+            <a:schemeClr val="tx1"/>
+          </a:fontRef>
+        </p:style>
+      </p:cxnSp>
+      <p:cxnSp>
+        <p:nvCxnSpPr>
+          <p:cNvPr id="23" name="Straight Arrow Connector 22">
+            <a:extLst>
+              <a:ext uri="{FF2B5EF4-FFF2-40B4-BE49-F238E27FC236}">
+                <a16:creationId xmlns:a16="http://schemas.microsoft.com/office/drawing/2014/main" id="{0368EF6D-AF03-9924-94CB-61BD5A951503}"/>
+              </a:ext>
+            </a:extLst>
+          </p:cNvPr>
+          <p:cNvCxnSpPr>
+            <a:cxnSpLocks/>
+          </p:cNvCxnSpPr>
+          <p:nvPr/>
+        </p:nvCxnSpPr>
+        <p:spPr>
+          <a:xfrm>
+            <a:off x="1438835" y="3424097"/>
+            <a:ext cx="2326341" cy="2196774"/>
+          </a:xfrm>
+          <a:prstGeom prst="straightConnector1">
+            <a:avLst/>
+          </a:prstGeom>
+          <a:ln>
+            <a:tailEnd type="triangle"/>
+          </a:ln>
+        </p:spPr>
+        <p:style>
+          <a:lnRef idx="1">
+            <a:schemeClr val="accent1"/>
+          </a:lnRef>
+          <a:fillRef idx="0">
+            <a:schemeClr val="accent1"/>
+          </a:fillRef>
+          <a:effectRef idx="0">
+            <a:schemeClr val="accent1"/>
+          </a:effectRef>
+          <a:fontRef idx="minor">
+            <a:schemeClr val="tx1"/>
+          </a:fontRef>
+        </p:style>
+      </p:cxnSp>
+      <p:cxnSp>
+        <p:nvCxnSpPr>
+          <p:cNvPr id="26" name="Straight Arrow Connector 25">
+            <a:extLst>
+              <a:ext uri="{FF2B5EF4-FFF2-40B4-BE49-F238E27FC236}">
+                <a16:creationId xmlns:a16="http://schemas.microsoft.com/office/drawing/2014/main" id="{EAD30802-BDD0-4E82-EB20-03BBA8434E29}"/>
+              </a:ext>
+            </a:extLst>
+          </p:cNvPr>
+          <p:cNvCxnSpPr>
+            <a:cxnSpLocks/>
+          </p:cNvCxnSpPr>
+          <p:nvPr/>
+        </p:nvCxnSpPr>
+        <p:spPr>
+          <a:xfrm flipV="1">
+            <a:off x="1438835" y="2559741"/>
+            <a:ext cx="3227294" cy="1097859"/>
+          </a:xfrm>
+          <a:prstGeom prst="straightConnector1">
+            <a:avLst/>
+          </a:prstGeom>
+          <a:ln>
+            <a:tailEnd type="triangle"/>
+          </a:ln>
+        </p:spPr>
+        <p:style>
+          <a:lnRef idx="1">
+            <a:schemeClr val="accent1"/>
+          </a:lnRef>
+          <a:fillRef idx="0">
+            <a:schemeClr val="accent1"/>
+          </a:fillRef>
+          <a:effectRef idx="0">
+            <a:schemeClr val="accent1"/>
+          </a:effectRef>
+          <a:fontRef idx="minor">
+            <a:schemeClr val="tx1"/>
+          </a:fontRef>
+        </p:style>
+      </p:cxnSp>
+      <p:cxnSp>
+        <p:nvCxnSpPr>
+          <p:cNvPr id="29" name="Straight Arrow Connector 28">
+            <a:extLst>
+              <a:ext uri="{FF2B5EF4-FFF2-40B4-BE49-F238E27FC236}">
+                <a16:creationId xmlns:a16="http://schemas.microsoft.com/office/drawing/2014/main" id="{EB45682D-7EB4-0835-32CB-D13E259BAC3B}"/>
+              </a:ext>
+            </a:extLst>
+          </p:cNvPr>
+          <p:cNvCxnSpPr>
+            <a:cxnSpLocks/>
+          </p:cNvCxnSpPr>
+          <p:nvPr/>
+        </p:nvCxnSpPr>
+        <p:spPr>
+          <a:xfrm>
+            <a:off x="2317376" y="2554643"/>
+            <a:ext cx="2342030" cy="1149950"/>
+          </a:xfrm>
+          <a:prstGeom prst="straightConnector1">
+            <a:avLst/>
+          </a:prstGeom>
+          <a:ln>
+            <a:solidFill>
+              <a:srgbClr val="00B050"/>
+            </a:solidFill>
+            <a:tailEnd type="triangle"/>
+          </a:ln>
+        </p:spPr>
+        <p:style>
+          <a:lnRef idx="1">
+            <a:schemeClr val="accent1"/>
+          </a:lnRef>
+          <a:fillRef idx="0">
+            <a:schemeClr val="accent1"/>
+          </a:fillRef>
+          <a:effectRef idx="0">
+            <a:schemeClr val="accent1"/>
+          </a:effectRef>
+          <a:fontRef idx="minor">
+            <a:schemeClr val="tx1"/>
+          </a:fontRef>
+        </p:style>
+      </p:cxnSp>
+      <p:cxnSp>
+        <p:nvCxnSpPr>
+          <p:cNvPr id="32" name="Straight Arrow Connector 31">
+            <a:extLst>
+              <a:ext uri="{FF2B5EF4-FFF2-40B4-BE49-F238E27FC236}">
+                <a16:creationId xmlns:a16="http://schemas.microsoft.com/office/drawing/2014/main" id="{A539A34C-9855-B3D3-5192-CFA1C4C45C12}"/>
+              </a:ext>
+            </a:extLst>
+          </p:cNvPr>
+          <p:cNvCxnSpPr>
+            <a:cxnSpLocks/>
+          </p:cNvCxnSpPr>
+          <p:nvPr/>
+        </p:nvCxnSpPr>
+        <p:spPr>
+          <a:xfrm>
+            <a:off x="1438835" y="4182035"/>
+            <a:ext cx="3256429" cy="8965"/>
+          </a:xfrm>
+          <a:prstGeom prst="straightConnector1">
+            <a:avLst/>
+          </a:prstGeom>
+          <a:ln>
+            <a:tailEnd type="triangle"/>
+          </a:ln>
+        </p:spPr>
+        <p:style>
+          <a:lnRef idx="1">
+            <a:schemeClr val="accent1"/>
+          </a:lnRef>
+          <a:fillRef idx="0">
+            <a:schemeClr val="accent1"/>
+          </a:fillRef>
+          <a:effectRef idx="0">
+            <a:schemeClr val="accent1"/>
+          </a:effectRef>
+          <a:fontRef idx="minor">
+            <a:schemeClr val="tx1"/>
+          </a:fontRef>
+        </p:style>
+      </p:cxnSp>
+      <p:cxnSp>
+        <p:nvCxnSpPr>
+          <p:cNvPr id="35" name="Straight Arrow Connector 34">
+            <a:extLst>
+              <a:ext uri="{FF2B5EF4-FFF2-40B4-BE49-F238E27FC236}">
+                <a16:creationId xmlns:a16="http://schemas.microsoft.com/office/drawing/2014/main" id="{91D37F6F-C741-917C-579D-7B86933D13E4}"/>
+              </a:ext>
+            </a:extLst>
+          </p:cNvPr>
+          <p:cNvCxnSpPr>
+            <a:cxnSpLocks/>
+          </p:cNvCxnSpPr>
+          <p:nvPr/>
+        </p:nvCxnSpPr>
+        <p:spPr>
+          <a:xfrm>
+            <a:off x="1409700" y="4522484"/>
+            <a:ext cx="3227294" cy="501710"/>
+          </a:xfrm>
+          <a:prstGeom prst="straightConnector1">
+            <a:avLst/>
+          </a:prstGeom>
+          <a:ln>
+            <a:tailEnd type="triangle"/>
+          </a:ln>
+        </p:spPr>
+        <p:style>
+          <a:lnRef idx="1">
+            <a:schemeClr val="accent1"/>
+          </a:lnRef>
+          <a:fillRef idx="0">
+            <a:schemeClr val="accent1"/>
+          </a:fillRef>
+          <a:effectRef idx="0">
+            <a:schemeClr val="accent1"/>
+          </a:effectRef>
+          <a:fontRef idx="minor">
+            <a:schemeClr val="tx1"/>
+          </a:fontRef>
+        </p:style>
+      </p:cxnSp>
+      <p:cxnSp>
+        <p:nvCxnSpPr>
+          <p:cNvPr id="41" name="Straight Arrow Connector 40">
+            <a:extLst>
+              <a:ext uri="{FF2B5EF4-FFF2-40B4-BE49-F238E27FC236}">
+                <a16:creationId xmlns:a16="http://schemas.microsoft.com/office/drawing/2014/main" id="{872C82B4-C76D-3A44-FF46-0DCB2ECC721E}"/>
+              </a:ext>
+            </a:extLst>
+          </p:cNvPr>
+          <p:cNvCxnSpPr>
+            <a:cxnSpLocks/>
+          </p:cNvCxnSpPr>
+          <p:nvPr/>
+        </p:nvCxnSpPr>
+        <p:spPr>
+          <a:xfrm flipV="1">
+            <a:off x="1438835" y="2559741"/>
+            <a:ext cx="2326341" cy="2160177"/>
+          </a:xfrm>
+          <a:prstGeom prst="straightConnector1">
+            <a:avLst/>
+          </a:prstGeom>
+          <a:ln>
+            <a:solidFill>
+              <a:srgbClr val="00B050"/>
+            </a:solidFill>
+            <a:tailEnd type="triangle"/>
+          </a:ln>
+        </p:spPr>
+        <p:style>
+          <a:lnRef idx="1">
+            <a:schemeClr val="accent1"/>
+          </a:lnRef>
+          <a:fillRef idx="0">
+            <a:schemeClr val="accent1"/>
+          </a:fillRef>
+          <a:effectRef idx="0">
+            <a:schemeClr val="accent1"/>
+          </a:effectRef>
+          <a:fontRef idx="minor">
+            <a:schemeClr val="tx1"/>
+          </a:fontRef>
+        </p:style>
+      </p:cxnSp>
+      <p:cxnSp>
+        <p:nvCxnSpPr>
+          <p:cNvPr id="44" name="Straight Arrow Connector 43">
+            <a:extLst>
+              <a:ext uri="{FF2B5EF4-FFF2-40B4-BE49-F238E27FC236}">
+                <a16:creationId xmlns:a16="http://schemas.microsoft.com/office/drawing/2014/main" id="{7F26DE80-FDFE-C4AC-2B0A-04F88A559543}"/>
+              </a:ext>
+            </a:extLst>
+          </p:cNvPr>
+          <p:cNvCxnSpPr>
+            <a:cxnSpLocks/>
+          </p:cNvCxnSpPr>
+          <p:nvPr/>
+        </p:nvCxnSpPr>
+        <p:spPr>
+          <a:xfrm flipV="1">
+            <a:off x="1461247" y="3424097"/>
+            <a:ext cx="2303929" cy="1622290"/>
+          </a:xfrm>
+          <a:prstGeom prst="straightConnector1">
+            <a:avLst/>
+          </a:prstGeom>
+          <a:ln>
+            <a:solidFill>
+              <a:srgbClr val="00B050"/>
+            </a:solidFill>
+            <a:tailEnd type="triangle"/>
+          </a:ln>
+        </p:spPr>
+        <p:style>
+          <a:lnRef idx="1">
+            <a:schemeClr val="accent1"/>
+          </a:lnRef>
+          <a:fillRef idx="0">
+            <a:schemeClr val="accent1"/>
+          </a:fillRef>
+          <a:effectRef idx="0">
+            <a:schemeClr val="accent1"/>
+          </a:effectRef>
+          <a:fontRef idx="minor">
+            <a:schemeClr val="tx1"/>
+          </a:fontRef>
+        </p:style>
+      </p:cxnSp>
+      <p:cxnSp>
+        <p:nvCxnSpPr>
+          <p:cNvPr id="48" name="Straight Arrow Connector 47">
+            <a:extLst>
+              <a:ext uri="{FF2B5EF4-FFF2-40B4-BE49-F238E27FC236}">
+                <a16:creationId xmlns:a16="http://schemas.microsoft.com/office/drawing/2014/main" id="{A0D7CD7C-AC18-80D4-4161-FCA5F3FF6784}"/>
+              </a:ext>
+            </a:extLst>
+          </p:cNvPr>
+          <p:cNvCxnSpPr>
+            <a:cxnSpLocks/>
+          </p:cNvCxnSpPr>
+          <p:nvPr/>
+        </p:nvCxnSpPr>
+        <p:spPr>
+          <a:xfrm flipV="1">
+            <a:off x="1506071" y="4191000"/>
+            <a:ext cx="2259105" cy="1106618"/>
+          </a:xfrm>
+          <a:prstGeom prst="straightConnector1">
+            <a:avLst/>
+          </a:prstGeom>
+          <a:ln>
+            <a:solidFill>
+              <a:srgbClr val="00B050"/>
+            </a:solidFill>
+            <a:tailEnd type="triangle"/>
+          </a:ln>
+        </p:spPr>
+        <p:style>
+          <a:lnRef idx="1">
+            <a:schemeClr val="accent1"/>
+          </a:lnRef>
+          <a:fillRef idx="0">
+            <a:schemeClr val="accent1"/>
+          </a:fillRef>
+          <a:effectRef idx="0">
+            <a:schemeClr val="accent1"/>
+          </a:effectRef>
+          <a:fontRef idx="minor">
+            <a:schemeClr val="tx1"/>
+          </a:fontRef>
+        </p:style>
+      </p:cxnSp>
+      <p:cxnSp>
+        <p:nvCxnSpPr>
+          <p:cNvPr id="51" name="Straight Arrow Connector 50">
+            <a:extLst>
+              <a:ext uri="{FF2B5EF4-FFF2-40B4-BE49-F238E27FC236}">
+                <a16:creationId xmlns:a16="http://schemas.microsoft.com/office/drawing/2014/main" id="{AE8539FC-96EC-230F-391B-4F763A7DCDFA}"/>
+              </a:ext>
+            </a:extLst>
+          </p:cNvPr>
+          <p:cNvCxnSpPr>
+            <a:cxnSpLocks/>
+          </p:cNvCxnSpPr>
+          <p:nvPr/>
+        </p:nvCxnSpPr>
+        <p:spPr>
+          <a:xfrm flipV="1">
+            <a:off x="1535206" y="5024194"/>
+            <a:ext cx="2126876" cy="564777"/>
+          </a:xfrm>
+          <a:prstGeom prst="straightConnector1">
+            <a:avLst/>
+          </a:prstGeom>
+          <a:ln>
+            <a:solidFill>
+              <a:srgbClr val="00B050"/>
+            </a:solidFill>
+            <a:tailEnd type="triangle"/>
+          </a:ln>
+        </p:spPr>
+        <p:style>
+          <a:lnRef idx="1">
+            <a:schemeClr val="accent1"/>
+          </a:lnRef>
+          <a:fillRef idx="0">
+            <a:schemeClr val="accent1"/>
+          </a:fillRef>
+          <a:effectRef idx="0">
+            <a:schemeClr val="accent1"/>
+          </a:effectRef>
+          <a:fontRef idx="minor">
+            <a:schemeClr val="tx1"/>
+          </a:fontRef>
+        </p:style>
+      </p:cxnSp>
+      <p:cxnSp>
+        <p:nvCxnSpPr>
+          <p:cNvPr id="55" name="Straight Arrow Connector 54">
+            <a:extLst>
+              <a:ext uri="{FF2B5EF4-FFF2-40B4-BE49-F238E27FC236}">
+                <a16:creationId xmlns:a16="http://schemas.microsoft.com/office/drawing/2014/main" id="{18883052-627A-C53C-85B6-63C2507110FC}"/>
+              </a:ext>
+            </a:extLst>
+          </p:cNvPr>
+          <p:cNvCxnSpPr>
+            <a:cxnSpLocks/>
+          </p:cNvCxnSpPr>
+          <p:nvPr/>
+        </p:nvCxnSpPr>
+        <p:spPr>
+          <a:xfrm>
+            <a:off x="1506071" y="5836596"/>
+            <a:ext cx="2288240" cy="105563"/>
+          </a:xfrm>
+          <a:prstGeom prst="straightConnector1">
+            <a:avLst/>
+          </a:prstGeom>
+          <a:ln>
+            <a:solidFill>
+              <a:srgbClr val="00B050"/>
+            </a:solidFill>
+            <a:tailEnd type="triangle"/>
+          </a:ln>
+        </p:spPr>
+        <p:style>
+          <a:lnRef idx="1">
+            <a:schemeClr val="accent1"/>
+          </a:lnRef>
+          <a:fillRef idx="0">
+            <a:schemeClr val="accent1"/>
+          </a:fillRef>
+          <a:effectRef idx="0">
+            <a:schemeClr val="accent1"/>
+          </a:effectRef>
+          <a:fontRef idx="minor">
+            <a:schemeClr val="tx1"/>
+          </a:fontRef>
+        </p:style>
+      </p:cxnSp>
+      <p:cxnSp>
+        <p:nvCxnSpPr>
+          <p:cNvPr id="58" name="Straight Arrow Connector 57">
+            <a:extLst>
+              <a:ext uri="{FF2B5EF4-FFF2-40B4-BE49-F238E27FC236}">
+                <a16:creationId xmlns:a16="http://schemas.microsoft.com/office/drawing/2014/main" id="{BA6BCCD3-16F6-96A3-2841-7F7BAA33FFC3}"/>
+              </a:ext>
+            </a:extLst>
+          </p:cNvPr>
+          <p:cNvCxnSpPr>
+            <a:cxnSpLocks/>
+          </p:cNvCxnSpPr>
+          <p:nvPr/>
+        </p:nvCxnSpPr>
+        <p:spPr>
+          <a:xfrm>
+            <a:off x="2407024" y="2320090"/>
+            <a:ext cx="2259105" cy="469107"/>
+          </a:xfrm>
+          <a:prstGeom prst="straightConnector1">
+            <a:avLst/>
+          </a:prstGeom>
+          <a:ln>
+            <a:solidFill>
+              <a:srgbClr val="00B050"/>
+            </a:solidFill>
+            <a:tailEnd type="triangle"/>
+          </a:ln>
+        </p:spPr>
+        <p:style>
+          <a:lnRef idx="1">
+            <a:schemeClr val="accent1"/>
+          </a:lnRef>
+          <a:fillRef idx="0">
+            <a:schemeClr val="accent1"/>
+          </a:fillRef>
+          <a:effectRef idx="0">
+            <a:schemeClr val="accent1"/>
+          </a:effectRef>
+          <a:fontRef idx="minor">
+            <a:schemeClr val="tx1"/>
+          </a:fontRef>
+        </p:style>
+      </p:cxnSp>
+      <p:cxnSp>
+        <p:nvCxnSpPr>
+          <p:cNvPr id="61" name="Straight Arrow Connector 60">
+            <a:extLst>
+              <a:ext uri="{FF2B5EF4-FFF2-40B4-BE49-F238E27FC236}">
+                <a16:creationId xmlns:a16="http://schemas.microsoft.com/office/drawing/2014/main" id="{45137BBE-04A6-4C38-5A34-5A085B7133C6}"/>
+              </a:ext>
+            </a:extLst>
+          </p:cNvPr>
+          <p:cNvCxnSpPr>
+            <a:cxnSpLocks/>
+          </p:cNvCxnSpPr>
+          <p:nvPr/>
+        </p:nvCxnSpPr>
+        <p:spPr>
+          <a:xfrm flipH="1">
+            <a:off x="1461247" y="3381387"/>
+            <a:ext cx="3161179" cy="542499"/>
+          </a:xfrm>
+          <a:prstGeom prst="straightConnector1">
+            <a:avLst/>
+          </a:prstGeom>
+          <a:ln>
+            <a:solidFill>
+              <a:srgbClr val="0070C0"/>
+            </a:solidFill>
+            <a:headEnd type="triangle"/>
+            <a:tailEnd type="none"/>
+          </a:ln>
+        </p:spPr>
+        <p:style>
+          <a:lnRef idx="1">
+            <a:schemeClr val="accent1"/>
+          </a:lnRef>
+          <a:fillRef idx="0">
+            <a:schemeClr val="accent1"/>
+          </a:fillRef>
+          <a:effectRef idx="0">
+            <a:schemeClr val="accent1"/>
+          </a:effectRef>
+          <a:fontRef idx="minor">
+            <a:schemeClr val="tx1"/>
+          </a:fontRef>
+        </p:style>
+      </p:cxnSp>
+      <p:cxnSp>
+        <p:nvCxnSpPr>
+          <p:cNvPr id="67" name="Straight Arrow Connector 66">
+            <a:extLst>
+              <a:ext uri="{FF2B5EF4-FFF2-40B4-BE49-F238E27FC236}">
+                <a16:creationId xmlns:a16="http://schemas.microsoft.com/office/drawing/2014/main" id="{707AA40E-54BF-F099-06E8-132CE85DFBBA}"/>
+              </a:ext>
+            </a:extLst>
+          </p:cNvPr>
+          <p:cNvCxnSpPr>
+            <a:cxnSpLocks/>
+          </p:cNvCxnSpPr>
+          <p:nvPr/>
+        </p:nvCxnSpPr>
+        <p:spPr>
+          <a:xfrm flipH="1" flipV="1">
+            <a:off x="2407024" y="2935101"/>
+            <a:ext cx="2288240" cy="1579555"/>
+          </a:xfrm>
+          <a:prstGeom prst="straightConnector1">
+            <a:avLst/>
+          </a:prstGeom>
+          <a:ln>
+            <a:solidFill>
+              <a:srgbClr val="00B050"/>
+            </a:solidFill>
+            <a:headEnd type="triangle"/>
+            <a:tailEnd type="none"/>
+          </a:ln>
+        </p:spPr>
+        <p:style>
+          <a:lnRef idx="1">
+            <a:schemeClr val="accent1"/>
+          </a:lnRef>
+          <a:fillRef idx="0">
+            <a:schemeClr val="accent1"/>
+          </a:fillRef>
+          <a:effectRef idx="0">
+            <a:schemeClr val="accent1"/>
+          </a:effectRef>
+          <a:fontRef idx="minor">
+            <a:schemeClr val="tx1"/>
+          </a:fontRef>
+        </p:style>
+      </p:cxnSp>
+      <p:cxnSp>
+        <p:nvCxnSpPr>
+          <p:cNvPr id="70" name="Straight Arrow Connector 69">
+            <a:extLst>
+              <a:ext uri="{FF2B5EF4-FFF2-40B4-BE49-F238E27FC236}">
+                <a16:creationId xmlns:a16="http://schemas.microsoft.com/office/drawing/2014/main" id="{67A4E337-1216-340E-9F11-7194BC7B5EC2}"/>
+              </a:ext>
+            </a:extLst>
+          </p:cNvPr>
+          <p:cNvCxnSpPr>
+            <a:cxnSpLocks/>
+          </p:cNvCxnSpPr>
+          <p:nvPr/>
+        </p:nvCxnSpPr>
+        <p:spPr>
+          <a:xfrm flipH="1" flipV="1">
+            <a:off x="2385734" y="3117738"/>
+            <a:ext cx="2273672" cy="2210732"/>
+          </a:xfrm>
+          <a:prstGeom prst="straightConnector1">
+            <a:avLst/>
+          </a:prstGeom>
+          <a:ln>
+            <a:solidFill>
+              <a:srgbClr val="00B050"/>
+            </a:solidFill>
+            <a:headEnd type="triangle"/>
+            <a:tailEnd type="none"/>
+          </a:ln>
+        </p:spPr>
+        <p:style>
+          <a:lnRef idx="1">
+            <a:schemeClr val="accent1"/>
+          </a:lnRef>
+          <a:fillRef idx="0">
+            <a:schemeClr val="accent1"/>
+          </a:fillRef>
+          <a:effectRef idx="0">
+            <a:schemeClr val="accent1"/>
+          </a:effectRef>
+          <a:fontRef idx="minor">
+            <a:schemeClr val="tx1"/>
+          </a:fontRef>
+        </p:style>
+      </p:cxnSp>
+      <p:cxnSp>
+        <p:nvCxnSpPr>
+          <p:cNvPr id="73" name="Straight Arrow Connector 72">
+            <a:extLst>
+              <a:ext uri="{FF2B5EF4-FFF2-40B4-BE49-F238E27FC236}">
+                <a16:creationId xmlns:a16="http://schemas.microsoft.com/office/drawing/2014/main" id="{F8DECC4F-2ABD-806E-6283-EFA0F8AB7840}"/>
+              </a:ext>
+            </a:extLst>
+          </p:cNvPr>
+          <p:cNvCxnSpPr>
+            <a:cxnSpLocks/>
+          </p:cNvCxnSpPr>
+          <p:nvPr/>
+        </p:nvCxnSpPr>
+        <p:spPr>
+          <a:xfrm flipH="1">
+            <a:off x="2399179" y="2872069"/>
+            <a:ext cx="1292038" cy="544904"/>
+          </a:xfrm>
+          <a:prstGeom prst="straightConnector1">
+            <a:avLst/>
+          </a:prstGeom>
+          <a:ln>
+            <a:solidFill>
+              <a:srgbClr val="FF0000"/>
+            </a:solidFill>
+            <a:headEnd type="triangle"/>
+            <a:tailEnd type="none"/>
+          </a:ln>
+        </p:spPr>
+        <p:style>
+          <a:lnRef idx="1">
+            <a:schemeClr val="accent1"/>
+          </a:lnRef>
+          <a:fillRef idx="0">
+            <a:schemeClr val="accent1"/>
+          </a:fillRef>
+          <a:effectRef idx="0">
+            <a:schemeClr val="accent1"/>
+          </a:effectRef>
+          <a:fontRef idx="minor">
+            <a:schemeClr val="tx1"/>
+          </a:fontRef>
+        </p:style>
+      </p:cxnSp>
+      <p:cxnSp>
+        <p:nvCxnSpPr>
+          <p:cNvPr id="24" name="Straight Arrow Connector 23">
+            <a:extLst>
+              <a:ext uri="{FF2B5EF4-FFF2-40B4-BE49-F238E27FC236}">
+                <a16:creationId xmlns:a16="http://schemas.microsoft.com/office/drawing/2014/main" id="{9A2A5608-032C-6FF8-965C-AD4C9E1527C5}"/>
+              </a:ext>
+            </a:extLst>
+          </p:cNvPr>
+          <p:cNvCxnSpPr>
+            <a:cxnSpLocks/>
+          </p:cNvCxnSpPr>
+          <p:nvPr/>
+        </p:nvCxnSpPr>
+        <p:spPr>
+          <a:xfrm flipH="1">
+            <a:off x="2407024" y="3657600"/>
+            <a:ext cx="1297638" cy="0"/>
+          </a:xfrm>
+          <a:prstGeom prst="straightConnector1">
+            <a:avLst/>
+          </a:prstGeom>
+          <a:ln>
+            <a:solidFill>
+              <a:srgbClr val="FF0000"/>
+            </a:solidFill>
+            <a:headEnd type="triangle"/>
+            <a:tailEnd type="none"/>
+          </a:ln>
+        </p:spPr>
+        <p:style>
+          <a:lnRef idx="1">
+            <a:schemeClr val="accent1"/>
+          </a:lnRef>
+          <a:fillRef idx="0">
+            <a:schemeClr val="accent1"/>
+          </a:fillRef>
+          <a:effectRef idx="0">
+            <a:schemeClr val="accent1"/>
+          </a:effectRef>
+          <a:fontRef idx="minor">
+            <a:schemeClr val="tx1"/>
+          </a:fontRef>
+        </p:style>
+      </p:cxnSp>
+      <p:cxnSp>
+        <p:nvCxnSpPr>
+          <p:cNvPr id="28" name="Straight Arrow Connector 27">
+            <a:extLst>
+              <a:ext uri="{FF2B5EF4-FFF2-40B4-BE49-F238E27FC236}">
+                <a16:creationId xmlns:a16="http://schemas.microsoft.com/office/drawing/2014/main" id="{799B7E04-26D5-71E2-72CB-436A5C007001}"/>
+              </a:ext>
+            </a:extLst>
+          </p:cNvPr>
+          <p:cNvCxnSpPr>
+            <a:cxnSpLocks/>
+          </p:cNvCxnSpPr>
+          <p:nvPr/>
+        </p:nvCxnSpPr>
+        <p:spPr>
+          <a:xfrm flipH="1" flipV="1">
+            <a:off x="2399179" y="3913094"/>
+            <a:ext cx="1365997" cy="566405"/>
+          </a:xfrm>
+          <a:prstGeom prst="straightConnector1">
+            <a:avLst/>
+          </a:prstGeom>
+          <a:ln>
+            <a:solidFill>
+              <a:srgbClr val="FF0000"/>
+            </a:solidFill>
+            <a:headEnd type="triangle"/>
+            <a:tailEnd type="none"/>
+          </a:ln>
+        </p:spPr>
+        <p:style>
+          <a:lnRef idx="1">
+            <a:schemeClr val="accent1"/>
+          </a:lnRef>
+          <a:fillRef idx="0">
+            <a:schemeClr val="accent1"/>
+          </a:fillRef>
+          <a:effectRef idx="0">
+            <a:schemeClr val="accent1"/>
+          </a:effectRef>
+          <a:fontRef idx="minor">
+            <a:schemeClr val="tx1"/>
+          </a:fontRef>
+        </p:style>
+      </p:cxnSp>
+      <p:cxnSp>
+        <p:nvCxnSpPr>
+          <p:cNvPr id="33" name="Straight Arrow Connector 32">
+            <a:extLst>
+              <a:ext uri="{FF2B5EF4-FFF2-40B4-BE49-F238E27FC236}">
+                <a16:creationId xmlns:a16="http://schemas.microsoft.com/office/drawing/2014/main" id="{1A41E4CC-26C2-269C-B2BA-6B3335754016}"/>
+              </a:ext>
+            </a:extLst>
+          </p:cNvPr>
+          <p:cNvCxnSpPr>
+            <a:cxnSpLocks/>
+          </p:cNvCxnSpPr>
+          <p:nvPr/>
+        </p:nvCxnSpPr>
+        <p:spPr>
+          <a:xfrm flipH="1" flipV="1">
+            <a:off x="2407024" y="4221638"/>
+            <a:ext cx="1297638" cy="1064400"/>
+          </a:xfrm>
+          <a:prstGeom prst="straightConnector1">
+            <a:avLst/>
+          </a:prstGeom>
+          <a:ln>
+            <a:solidFill>
+              <a:srgbClr val="FF0000"/>
+            </a:solidFill>
+            <a:headEnd type="triangle"/>
+            <a:tailEnd type="none"/>
+          </a:ln>
+        </p:spPr>
+        <p:style>
+          <a:lnRef idx="1">
+            <a:schemeClr val="accent1"/>
+          </a:lnRef>
+          <a:fillRef idx="0">
+            <a:schemeClr val="accent1"/>
+          </a:fillRef>
+          <a:effectRef idx="0">
+            <a:schemeClr val="accent1"/>
+          </a:effectRef>
+          <a:fontRef idx="minor">
+            <a:schemeClr val="tx1"/>
+          </a:fontRef>
+        </p:style>
+      </p:cxnSp>
+      <p:cxnSp>
+        <p:nvCxnSpPr>
+          <p:cNvPr id="37" name="Straight Arrow Connector 36">
+            <a:extLst>
+              <a:ext uri="{FF2B5EF4-FFF2-40B4-BE49-F238E27FC236}">
+                <a16:creationId xmlns:a16="http://schemas.microsoft.com/office/drawing/2014/main" id="{E083576D-24F6-AF01-EF8F-615E172DC8D2}"/>
+              </a:ext>
+            </a:extLst>
+          </p:cNvPr>
+          <p:cNvCxnSpPr>
+            <a:cxnSpLocks/>
+          </p:cNvCxnSpPr>
+          <p:nvPr/>
+        </p:nvCxnSpPr>
+        <p:spPr>
+          <a:xfrm flipH="1">
+            <a:off x="2407024" y="2250517"/>
+            <a:ext cx="2326341" cy="2251175"/>
+          </a:xfrm>
+          <a:prstGeom prst="straightConnector1">
+            <a:avLst/>
+          </a:prstGeom>
+          <a:ln>
+            <a:solidFill>
+              <a:srgbClr val="FF0000"/>
+            </a:solidFill>
+            <a:headEnd type="triangle"/>
+            <a:tailEnd type="none"/>
+          </a:ln>
+        </p:spPr>
+        <p:style>
+          <a:lnRef idx="1">
+            <a:schemeClr val="accent1"/>
+          </a:lnRef>
+          <a:fillRef idx="0">
+            <a:schemeClr val="accent1"/>
+          </a:fillRef>
+          <a:effectRef idx="0">
+            <a:schemeClr val="accent1"/>
+          </a:effectRef>
+          <a:fontRef idx="minor">
+            <a:schemeClr val="tx1"/>
+          </a:fontRef>
+        </p:style>
+      </p:cxnSp>
+      <p:cxnSp>
+        <p:nvCxnSpPr>
+          <p:cNvPr id="42" name="Straight Arrow Connector 41">
+            <a:extLst>
+              <a:ext uri="{FF2B5EF4-FFF2-40B4-BE49-F238E27FC236}">
+                <a16:creationId xmlns:a16="http://schemas.microsoft.com/office/drawing/2014/main" id="{A28D016A-8E00-C3BE-881C-6760FC568ECD}"/>
+              </a:ext>
+            </a:extLst>
+          </p:cNvPr>
+          <p:cNvCxnSpPr>
+            <a:cxnSpLocks/>
+          </p:cNvCxnSpPr>
+          <p:nvPr/>
+        </p:nvCxnSpPr>
+        <p:spPr>
+          <a:xfrm flipH="1">
+            <a:off x="2399179" y="3117738"/>
+            <a:ext cx="2318497" cy="1662577"/>
+          </a:xfrm>
+          <a:prstGeom prst="straightConnector1">
+            <a:avLst/>
+          </a:prstGeom>
+          <a:ln>
+            <a:solidFill>
+              <a:srgbClr val="FF0000"/>
+            </a:solidFill>
+            <a:headEnd type="triangle"/>
+            <a:tailEnd type="none"/>
+          </a:ln>
+        </p:spPr>
+        <p:style>
+          <a:lnRef idx="1">
+            <a:schemeClr val="accent1"/>
+          </a:lnRef>
+          <a:fillRef idx="0">
+            <a:schemeClr val="accent1"/>
+          </a:fillRef>
+          <a:effectRef idx="0">
+            <a:schemeClr val="accent1"/>
+          </a:effectRef>
+          <a:fontRef idx="minor">
+            <a:schemeClr val="tx1"/>
+          </a:fontRef>
+        </p:style>
+      </p:cxnSp>
+      <p:cxnSp>
+        <p:nvCxnSpPr>
+          <p:cNvPr id="46" name="Straight Arrow Connector 45">
+            <a:extLst>
+              <a:ext uri="{FF2B5EF4-FFF2-40B4-BE49-F238E27FC236}">
+                <a16:creationId xmlns:a16="http://schemas.microsoft.com/office/drawing/2014/main" id="{9E644D4E-3E36-4E82-7AC4-2B759BE778F2}"/>
+              </a:ext>
+            </a:extLst>
+          </p:cNvPr>
+          <p:cNvCxnSpPr>
+            <a:cxnSpLocks/>
+          </p:cNvCxnSpPr>
+          <p:nvPr/>
+        </p:nvCxnSpPr>
+        <p:spPr>
+          <a:xfrm flipH="1">
+            <a:off x="2355477" y="3933150"/>
+            <a:ext cx="2281517" cy="1062890"/>
+          </a:xfrm>
+          <a:prstGeom prst="straightConnector1">
+            <a:avLst/>
+          </a:prstGeom>
+          <a:ln>
+            <a:solidFill>
+              <a:srgbClr val="FF0000"/>
+            </a:solidFill>
+            <a:headEnd type="triangle"/>
+            <a:tailEnd type="none"/>
+          </a:ln>
+        </p:spPr>
+        <p:style>
+          <a:lnRef idx="1">
+            <a:schemeClr val="accent1"/>
+          </a:lnRef>
+          <a:fillRef idx="0">
+            <a:schemeClr val="accent1"/>
+          </a:fillRef>
+          <a:effectRef idx="0">
+            <a:schemeClr val="accent1"/>
+          </a:effectRef>
+          <a:fontRef idx="minor">
+            <a:schemeClr val="tx1"/>
+          </a:fontRef>
+        </p:style>
+      </p:cxnSp>
+      <p:cxnSp>
+        <p:nvCxnSpPr>
+          <p:cNvPr id="50" name="Straight Arrow Connector 49">
+            <a:extLst>
+              <a:ext uri="{FF2B5EF4-FFF2-40B4-BE49-F238E27FC236}">
+                <a16:creationId xmlns:a16="http://schemas.microsoft.com/office/drawing/2014/main" id="{B4F142CC-36A0-8870-6AF0-E2D38F08DAA4}"/>
+              </a:ext>
+            </a:extLst>
+          </p:cNvPr>
+          <p:cNvCxnSpPr>
+            <a:cxnSpLocks/>
+          </p:cNvCxnSpPr>
+          <p:nvPr/>
+        </p:nvCxnSpPr>
+        <p:spPr>
+          <a:xfrm flipH="1">
+            <a:off x="2407024" y="4785756"/>
+            <a:ext cx="2237815" cy="507406"/>
+          </a:xfrm>
+          <a:prstGeom prst="straightConnector1">
+            <a:avLst/>
+          </a:prstGeom>
+          <a:ln>
+            <a:solidFill>
+              <a:srgbClr val="FF0000"/>
+            </a:solidFill>
+            <a:headEnd type="triangle"/>
+            <a:tailEnd type="none"/>
+          </a:ln>
+        </p:spPr>
+        <p:style>
+          <a:lnRef idx="1">
+            <a:schemeClr val="accent1"/>
+          </a:lnRef>
+          <a:fillRef idx="0">
+            <a:schemeClr val="accent1"/>
+          </a:fillRef>
+          <a:effectRef idx="0">
+            <a:schemeClr val="accent1"/>
+          </a:effectRef>
+          <a:fontRef idx="minor">
+            <a:schemeClr val="tx1"/>
+          </a:fontRef>
+        </p:style>
+      </p:cxnSp>
+      <p:sp>
+        <p:nvSpPr>
+          <p:cNvPr id="65" name="Oval 64">
+            <a:extLst>
+              <a:ext uri="{FF2B5EF4-FFF2-40B4-BE49-F238E27FC236}">
+                <a16:creationId xmlns:a16="http://schemas.microsoft.com/office/drawing/2014/main" id="{984B460D-670B-3B8E-8FF1-258C320379FA}"/>
+              </a:ext>
+            </a:extLst>
+          </p:cNvPr>
+          <p:cNvSpPr/>
+          <p:nvPr/>
+        </p:nvSpPr>
+        <p:spPr>
+          <a:xfrm>
+            <a:off x="1070810" y="1690688"/>
+            <a:ext cx="1697041" cy="4802187"/>
+          </a:xfrm>
+          <a:prstGeom prst="ellipse">
+            <a:avLst/>
+          </a:prstGeom>
+          <a:noFill/>
+        </p:spPr>
+        <p:style>
+          <a:lnRef idx="2">
+            <a:schemeClr val="accent1">
+              <a:shade val="15000"/>
+            </a:schemeClr>
+          </a:lnRef>
+          <a:fillRef idx="1">
+            <a:schemeClr val="accent1"/>
+          </a:fillRef>
+          <a:effectRef idx="0">
+            <a:schemeClr val="accent1"/>
+          </a:effectRef>
+          <a:fontRef idx="minor">
+            <a:schemeClr val="lt1"/>
+          </a:fontRef>
+        </p:style>
+        <p:txBody>
+          <a:bodyPr rtlCol="0" anchor="ctr"/>
+          <a:lstStyle/>
+          <a:p>
+            <a:pPr algn="ctr"/>
+            <a:endParaRPr lang="en-US"/>
+          </a:p>
+        </p:txBody>
+      </p:sp>
+      <p:sp>
+        <p:nvSpPr>
+          <p:cNvPr id="66" name="Oval 65">
+            <a:extLst>
+              <a:ext uri="{FF2B5EF4-FFF2-40B4-BE49-F238E27FC236}">
+                <a16:creationId xmlns:a16="http://schemas.microsoft.com/office/drawing/2014/main" id="{79D1B58E-A251-E123-EE57-66D6583A4264}"/>
+              </a:ext>
+            </a:extLst>
+          </p:cNvPr>
+          <p:cNvSpPr/>
+          <p:nvPr/>
+        </p:nvSpPr>
+        <p:spPr>
+          <a:xfrm>
+            <a:off x="3400750" y="1690688"/>
+            <a:ext cx="1697041" cy="4802187"/>
+          </a:xfrm>
+          <a:prstGeom prst="ellipse">
+            <a:avLst/>
+          </a:prstGeom>
+          <a:noFill/>
+        </p:spPr>
+        <p:style>
+          <a:lnRef idx="2">
+            <a:schemeClr val="accent1">
+              <a:shade val="15000"/>
+            </a:schemeClr>
+          </a:lnRef>
+          <a:fillRef idx="1">
+            <a:schemeClr val="accent1"/>
+          </a:fillRef>
+          <a:effectRef idx="0">
+            <a:schemeClr val="accent1"/>
+          </a:effectRef>
+          <a:fontRef idx="minor">
+            <a:schemeClr val="lt1"/>
+          </a:fontRef>
+        </p:style>
+        <p:txBody>
+          <a:bodyPr rtlCol="0" anchor="ctr"/>
+          <a:lstStyle/>
+          <a:p>
+            <a:pPr algn="ctr"/>
+            <a:endParaRPr lang="en-US"/>
+          </a:p>
+        </p:txBody>
+      </p:sp>
+      <p:sp>
+        <p:nvSpPr>
+          <p:cNvPr id="68" name="TextBox 67">
+            <a:extLst>
+              <a:ext uri="{FF2B5EF4-FFF2-40B4-BE49-F238E27FC236}">
+                <a16:creationId xmlns:a16="http://schemas.microsoft.com/office/drawing/2014/main" id="{0BBF6087-47BA-E532-1900-F6ADF41E7ED9}"/>
+              </a:ext>
+            </a:extLst>
+          </p:cNvPr>
+          <p:cNvSpPr txBox="1"/>
+          <p:nvPr/>
+        </p:nvSpPr>
+        <p:spPr>
+          <a:xfrm>
+            <a:off x="6636713" y="2111188"/>
+            <a:ext cx="1949824" cy="3970318"/>
+          </a:xfrm>
+          <a:prstGeom prst="rect">
+            <a:avLst/>
+          </a:prstGeom>
+          <a:noFill/>
+        </p:spPr>
+        <p:txBody>
+          <a:bodyPr wrap="square" rtlCol="0">
+            <a:spAutoFit/>
+          </a:bodyPr>
+          <a:lstStyle/>
+          <a:p>
+            <a:r>
+              <a:rPr lang="en-US" dirty="0"/>
+              <a:t>A	O</a:t>
+            </a:r>
+          </a:p>
+          <a:p>
+            <a:r>
+              <a:rPr lang="en-US" dirty="0"/>
+              <a:t>B	P</a:t>
+            </a:r>
+          </a:p>
+          <a:p>
+            <a:r>
+              <a:rPr lang="en-US" dirty="0"/>
+              <a:t>C	Q</a:t>
+            </a:r>
+          </a:p>
+          <a:p>
+            <a:r>
+              <a:rPr lang="en-US" dirty="0"/>
+              <a:t>D	R</a:t>
+            </a:r>
+          </a:p>
+          <a:p>
+            <a:r>
+              <a:rPr lang="en-US" dirty="0"/>
+              <a:t>E	S</a:t>
+            </a:r>
+          </a:p>
+          <a:p>
+            <a:r>
+              <a:rPr lang="en-US" dirty="0"/>
+              <a:t>F	T</a:t>
+            </a:r>
+          </a:p>
+          <a:p>
+            <a:r>
+              <a:rPr lang="en-US" dirty="0"/>
+              <a:t>G	U</a:t>
+            </a:r>
+          </a:p>
+          <a:p>
+            <a:r>
+              <a:rPr lang="en-US" dirty="0"/>
+              <a:t>H	V</a:t>
+            </a:r>
+          </a:p>
+          <a:p>
+            <a:r>
+              <a:rPr lang="en-US" dirty="0"/>
+              <a:t>I	W</a:t>
+            </a:r>
+          </a:p>
+          <a:p>
+            <a:r>
+              <a:rPr lang="en-US" dirty="0"/>
+              <a:t>J	X</a:t>
+            </a:r>
+          </a:p>
+          <a:p>
+            <a:r>
+              <a:rPr lang="en-US" dirty="0"/>
+              <a:t>K	Y</a:t>
+            </a:r>
+          </a:p>
+          <a:p>
+            <a:r>
+              <a:rPr lang="en-US" dirty="0"/>
+              <a:t>L	Z</a:t>
+            </a:r>
+          </a:p>
+          <a:p>
+            <a:r>
+              <a:rPr lang="en-US" dirty="0"/>
+              <a:t>M</a:t>
+            </a:r>
+          </a:p>
+          <a:p>
+            <a:r>
+              <a:rPr lang="en-US" dirty="0"/>
+              <a:t>N</a:t>
+            </a:r>
+          </a:p>
+        </p:txBody>
+      </p:sp>
+      <p:sp>
+        <p:nvSpPr>
+          <p:cNvPr id="69" name="Oval 68">
+            <a:extLst>
+              <a:ext uri="{FF2B5EF4-FFF2-40B4-BE49-F238E27FC236}">
+                <a16:creationId xmlns:a16="http://schemas.microsoft.com/office/drawing/2014/main" id="{B48A9ECB-80A6-1ABB-258F-36F811A07296}"/>
+              </a:ext>
+            </a:extLst>
+          </p:cNvPr>
+          <p:cNvSpPr/>
+          <p:nvPr/>
+        </p:nvSpPr>
+        <p:spPr>
+          <a:xfrm>
+            <a:off x="6456947" y="1690688"/>
+            <a:ext cx="1697041" cy="4802187"/>
+          </a:xfrm>
+          <a:prstGeom prst="ellipse">
+            <a:avLst/>
+          </a:prstGeom>
+          <a:noFill/>
+        </p:spPr>
+        <p:style>
+          <a:lnRef idx="2">
+            <a:schemeClr val="accent1">
+              <a:shade val="15000"/>
+            </a:schemeClr>
+          </a:lnRef>
+          <a:fillRef idx="1">
+            <a:schemeClr val="accent1"/>
+          </a:fillRef>
+          <a:effectRef idx="0">
+            <a:schemeClr val="accent1"/>
+          </a:effectRef>
+          <a:fontRef idx="minor">
+            <a:schemeClr val="lt1"/>
+          </a:fontRef>
+        </p:style>
+        <p:txBody>
+          <a:bodyPr rtlCol="0" anchor="ctr"/>
+          <a:lstStyle/>
+          <a:p>
+            <a:pPr algn="ctr"/>
+            <a:endParaRPr lang="en-US"/>
+          </a:p>
+        </p:txBody>
+      </p:sp>
+      <p:sp>
+        <p:nvSpPr>
+          <p:cNvPr id="71" name="TextBox 70">
+            <a:extLst>
+              <a:ext uri="{FF2B5EF4-FFF2-40B4-BE49-F238E27FC236}">
+                <a16:creationId xmlns:a16="http://schemas.microsoft.com/office/drawing/2014/main" id="{F78714D0-0E71-D119-1EE9-7B1E210C7284}"/>
+              </a:ext>
+            </a:extLst>
+          </p:cNvPr>
+          <p:cNvSpPr txBox="1"/>
+          <p:nvPr/>
+        </p:nvSpPr>
+        <p:spPr>
+          <a:xfrm>
+            <a:off x="9407514" y="2111188"/>
+            <a:ext cx="1949824" cy="3970318"/>
+          </a:xfrm>
+          <a:prstGeom prst="rect">
+            <a:avLst/>
+          </a:prstGeom>
+          <a:noFill/>
+        </p:spPr>
+        <p:txBody>
+          <a:bodyPr wrap="square" rtlCol="0">
+            <a:spAutoFit/>
+          </a:bodyPr>
+          <a:lstStyle/>
+          <a:p>
+            <a:r>
+              <a:rPr lang="en-US" dirty="0"/>
+              <a:t>A	O</a:t>
+            </a:r>
+          </a:p>
+          <a:p>
+            <a:r>
+              <a:rPr lang="en-US" dirty="0"/>
+              <a:t>B	P</a:t>
+            </a:r>
+          </a:p>
+          <a:p>
+            <a:r>
+              <a:rPr lang="en-US" dirty="0"/>
+              <a:t>C	Q</a:t>
+            </a:r>
+          </a:p>
+          <a:p>
+            <a:r>
+              <a:rPr lang="en-US" dirty="0"/>
+              <a:t>D	R</a:t>
+            </a:r>
+          </a:p>
+          <a:p>
+            <a:r>
+              <a:rPr lang="en-US" dirty="0"/>
+              <a:t>E	S</a:t>
+            </a:r>
+          </a:p>
+          <a:p>
+            <a:r>
+              <a:rPr lang="en-US" dirty="0"/>
+              <a:t>F	T</a:t>
+            </a:r>
+          </a:p>
+          <a:p>
+            <a:r>
+              <a:rPr lang="en-US" dirty="0"/>
+              <a:t>G	U</a:t>
+            </a:r>
+          </a:p>
+          <a:p>
+            <a:r>
+              <a:rPr lang="en-US" dirty="0"/>
+              <a:t>H	V</a:t>
+            </a:r>
+          </a:p>
+          <a:p>
+            <a:r>
+              <a:rPr lang="en-US" dirty="0"/>
+              <a:t>I	W</a:t>
+            </a:r>
+          </a:p>
+          <a:p>
+            <a:r>
+              <a:rPr lang="en-US" dirty="0"/>
+              <a:t>J	X</a:t>
+            </a:r>
+          </a:p>
+          <a:p>
+            <a:r>
+              <a:rPr lang="en-US" dirty="0"/>
+              <a:t>K	Y</a:t>
+            </a:r>
+          </a:p>
+          <a:p>
+            <a:r>
+              <a:rPr lang="en-US" dirty="0"/>
+              <a:t>L	Z</a:t>
+            </a:r>
+          </a:p>
+          <a:p>
+            <a:r>
+              <a:rPr lang="en-US" dirty="0"/>
+              <a:t>M</a:t>
+            </a:r>
+          </a:p>
+          <a:p>
+            <a:r>
+              <a:rPr lang="en-US" dirty="0"/>
+              <a:t>N</a:t>
+            </a:r>
+          </a:p>
+        </p:txBody>
+      </p:sp>
+      <p:sp>
+        <p:nvSpPr>
+          <p:cNvPr id="72" name="Oval 71">
+            <a:extLst>
+              <a:ext uri="{FF2B5EF4-FFF2-40B4-BE49-F238E27FC236}">
+                <a16:creationId xmlns:a16="http://schemas.microsoft.com/office/drawing/2014/main" id="{A281905D-37D8-8382-EB5D-448D1B9E4430}"/>
+              </a:ext>
+            </a:extLst>
+          </p:cNvPr>
+          <p:cNvSpPr/>
+          <p:nvPr/>
+        </p:nvSpPr>
+        <p:spPr>
+          <a:xfrm>
+            <a:off x="9227748" y="1690688"/>
+            <a:ext cx="1697041" cy="4802187"/>
+          </a:xfrm>
+          <a:prstGeom prst="ellipse">
+            <a:avLst/>
+          </a:prstGeom>
+          <a:noFill/>
+        </p:spPr>
+        <p:style>
+          <a:lnRef idx="2">
+            <a:schemeClr val="accent1">
+              <a:shade val="15000"/>
+            </a:schemeClr>
+          </a:lnRef>
+          <a:fillRef idx="1">
+            <a:schemeClr val="accent1"/>
+          </a:fillRef>
+          <a:effectRef idx="0">
+            <a:schemeClr val="accent1"/>
+          </a:effectRef>
+          <a:fontRef idx="minor">
+            <a:schemeClr val="lt1"/>
+          </a:fontRef>
+        </p:style>
+        <p:txBody>
+          <a:bodyPr rtlCol="0" anchor="ctr"/>
+          <a:lstStyle/>
+          <a:p>
+            <a:pPr algn="ctr"/>
+            <a:endParaRPr lang="en-US"/>
+          </a:p>
+        </p:txBody>
+      </p:sp>
+      <p:cxnSp>
+        <p:nvCxnSpPr>
+          <p:cNvPr id="74" name="Straight Arrow Connector 73">
+            <a:extLst>
+              <a:ext uri="{FF2B5EF4-FFF2-40B4-BE49-F238E27FC236}">
+                <a16:creationId xmlns:a16="http://schemas.microsoft.com/office/drawing/2014/main" id="{9AF1C398-132E-9C1E-1FAB-1A7FC91960DF}"/>
+              </a:ext>
+            </a:extLst>
+          </p:cNvPr>
+          <p:cNvCxnSpPr>
+            <a:cxnSpLocks/>
+          </p:cNvCxnSpPr>
+          <p:nvPr/>
+        </p:nvCxnSpPr>
+        <p:spPr>
+          <a:xfrm flipV="1">
+            <a:off x="6953309" y="2250517"/>
+            <a:ext cx="2551638" cy="80425"/>
+          </a:xfrm>
+          <a:prstGeom prst="straightConnector1">
+            <a:avLst/>
+          </a:prstGeom>
+          <a:ln>
+            <a:tailEnd type="triangle"/>
+          </a:ln>
+        </p:spPr>
+        <p:style>
+          <a:lnRef idx="1">
+            <a:schemeClr val="accent1"/>
+          </a:lnRef>
+          <a:fillRef idx="0">
+            <a:schemeClr val="accent1"/>
+          </a:fillRef>
+          <a:effectRef idx="0">
+            <a:schemeClr val="accent1"/>
+          </a:effectRef>
+          <a:fontRef idx="minor">
+            <a:schemeClr val="tx1"/>
+          </a:fontRef>
+        </p:style>
+      </p:cxnSp>
+      <p:cxnSp>
+        <p:nvCxnSpPr>
+          <p:cNvPr id="76" name="Straight Arrow Connector 75">
+            <a:extLst>
+              <a:ext uri="{FF2B5EF4-FFF2-40B4-BE49-F238E27FC236}">
+                <a16:creationId xmlns:a16="http://schemas.microsoft.com/office/drawing/2014/main" id="{8A1115E0-6F75-91CF-E872-3F0993C39E8D}"/>
+              </a:ext>
+            </a:extLst>
+          </p:cNvPr>
+          <p:cNvCxnSpPr>
+            <a:cxnSpLocks/>
+          </p:cNvCxnSpPr>
+          <p:nvPr/>
+        </p:nvCxnSpPr>
+        <p:spPr>
+          <a:xfrm>
+            <a:off x="6953309" y="2554643"/>
+            <a:ext cx="2706988" cy="3387516"/>
+          </a:xfrm>
+          <a:prstGeom prst="straightConnector1">
+            <a:avLst/>
+          </a:prstGeom>
+          <a:ln>
+            <a:tailEnd type="triangle"/>
+          </a:ln>
+        </p:spPr>
+        <p:style>
+          <a:lnRef idx="1">
+            <a:schemeClr val="accent1"/>
+          </a:lnRef>
+          <a:fillRef idx="0">
+            <a:schemeClr val="accent1"/>
+          </a:fillRef>
+          <a:effectRef idx="0">
+            <a:schemeClr val="accent1"/>
+          </a:effectRef>
+          <a:fontRef idx="minor">
+            <a:schemeClr val="tx1"/>
+          </a:fontRef>
+        </p:style>
+      </p:cxnSp>
+      <p:cxnSp>
+        <p:nvCxnSpPr>
+          <p:cNvPr id="79" name="Straight Arrow Connector 78">
+            <a:extLst>
+              <a:ext uri="{FF2B5EF4-FFF2-40B4-BE49-F238E27FC236}">
+                <a16:creationId xmlns:a16="http://schemas.microsoft.com/office/drawing/2014/main" id="{6B9CD9A1-0B95-3F26-B72B-132981C021FC}"/>
+              </a:ext>
+            </a:extLst>
+          </p:cNvPr>
+          <p:cNvCxnSpPr>
+            <a:cxnSpLocks/>
+          </p:cNvCxnSpPr>
+          <p:nvPr/>
+        </p:nvCxnSpPr>
+        <p:spPr>
+          <a:xfrm flipV="1">
+            <a:off x="6953309" y="2312894"/>
+            <a:ext cx="2559835" cy="559175"/>
+          </a:xfrm>
+          <a:prstGeom prst="straightConnector1">
+            <a:avLst/>
+          </a:prstGeom>
+          <a:ln>
+            <a:tailEnd type="triangle"/>
+          </a:ln>
+        </p:spPr>
+        <p:style>
+          <a:lnRef idx="1">
+            <a:schemeClr val="accent1"/>
+          </a:lnRef>
+          <a:fillRef idx="0">
+            <a:schemeClr val="accent1"/>
+          </a:fillRef>
+          <a:effectRef idx="0">
+            <a:schemeClr val="accent1"/>
+          </a:effectRef>
+          <a:fontRef idx="minor">
+            <a:schemeClr val="tx1"/>
+          </a:fontRef>
+        </p:style>
+      </p:cxnSp>
+      <p:cxnSp>
+        <p:nvCxnSpPr>
+          <p:cNvPr id="82" name="Straight Arrow Connector 81">
+            <a:extLst>
+              <a:ext uri="{FF2B5EF4-FFF2-40B4-BE49-F238E27FC236}">
+                <a16:creationId xmlns:a16="http://schemas.microsoft.com/office/drawing/2014/main" id="{BFA85E8A-16DF-537D-EA9E-972AD039F511}"/>
+              </a:ext>
+            </a:extLst>
+          </p:cNvPr>
+          <p:cNvCxnSpPr>
+            <a:cxnSpLocks/>
+            <a:endCxn id="72" idx="3"/>
+          </p:cNvCxnSpPr>
+          <p:nvPr/>
+        </p:nvCxnSpPr>
+        <p:spPr>
+          <a:xfrm>
+            <a:off x="6874071" y="3113818"/>
+            <a:ext cx="2602203" cy="2675793"/>
+          </a:xfrm>
+          <a:prstGeom prst="straightConnector1">
+            <a:avLst/>
+          </a:prstGeom>
+          <a:ln>
+            <a:tailEnd type="triangle"/>
+          </a:ln>
+        </p:spPr>
+        <p:style>
+          <a:lnRef idx="1">
+            <a:schemeClr val="accent1"/>
+          </a:lnRef>
+          <a:fillRef idx="0">
+            <a:schemeClr val="accent1"/>
+          </a:fillRef>
+          <a:effectRef idx="0">
+            <a:schemeClr val="accent1"/>
+          </a:effectRef>
+          <a:fontRef idx="minor">
+            <a:schemeClr val="tx1"/>
+          </a:fontRef>
+        </p:style>
+      </p:cxnSp>
+      <p:cxnSp>
+        <p:nvCxnSpPr>
+          <p:cNvPr id="85" name="Straight Arrow Connector 84">
+            <a:extLst>
+              <a:ext uri="{FF2B5EF4-FFF2-40B4-BE49-F238E27FC236}">
+                <a16:creationId xmlns:a16="http://schemas.microsoft.com/office/drawing/2014/main" id="{1D2B95B4-8FF0-6450-26D4-4EC130F0E46F}"/>
+              </a:ext>
+            </a:extLst>
+          </p:cNvPr>
+          <p:cNvCxnSpPr>
+            <a:cxnSpLocks/>
+          </p:cNvCxnSpPr>
+          <p:nvPr/>
+        </p:nvCxnSpPr>
+        <p:spPr>
+          <a:xfrm>
+            <a:off x="6874071" y="3654945"/>
+            <a:ext cx="2754603" cy="2287066"/>
+          </a:xfrm>
+          <a:prstGeom prst="straightConnector1">
+            <a:avLst/>
+          </a:prstGeom>
+          <a:ln>
+            <a:tailEnd type="triangle"/>
+          </a:ln>
+        </p:spPr>
+        <p:style>
+          <a:lnRef idx="1">
+            <a:schemeClr val="accent1"/>
+          </a:lnRef>
+          <a:fillRef idx="0">
+            <a:schemeClr val="accent1"/>
+          </a:fillRef>
+          <a:effectRef idx="0">
+            <a:schemeClr val="accent1"/>
+          </a:effectRef>
+          <a:fontRef idx="minor">
+            <a:schemeClr val="tx1"/>
+          </a:fontRef>
+        </p:style>
+      </p:cxnSp>
+      <p:cxnSp>
+        <p:nvCxnSpPr>
+          <p:cNvPr id="87" name="Straight Arrow Connector 86">
+            <a:extLst>
+              <a:ext uri="{FF2B5EF4-FFF2-40B4-BE49-F238E27FC236}">
+                <a16:creationId xmlns:a16="http://schemas.microsoft.com/office/drawing/2014/main" id="{C14EA141-B152-004A-08D9-F1BEFCAB2933}"/>
+              </a:ext>
+            </a:extLst>
+          </p:cNvPr>
+          <p:cNvCxnSpPr>
+            <a:cxnSpLocks/>
+          </p:cNvCxnSpPr>
+          <p:nvPr/>
+        </p:nvCxnSpPr>
+        <p:spPr>
+          <a:xfrm>
+            <a:off x="6842448" y="4221638"/>
+            <a:ext cx="2786226" cy="1720373"/>
+          </a:xfrm>
+          <a:prstGeom prst="straightConnector1">
+            <a:avLst/>
+          </a:prstGeom>
+          <a:ln>
+            <a:tailEnd type="triangle"/>
+          </a:ln>
+        </p:spPr>
+        <p:style>
+          <a:lnRef idx="1">
+            <a:schemeClr val="accent1"/>
+          </a:lnRef>
+          <a:fillRef idx="0">
+            <a:schemeClr val="accent1"/>
+          </a:fillRef>
+          <a:effectRef idx="0">
+            <a:schemeClr val="accent1"/>
+          </a:effectRef>
+          <a:fontRef idx="minor">
+            <a:schemeClr val="tx1"/>
+          </a:fontRef>
+        </p:style>
+      </p:cxnSp>
+      <p:cxnSp>
+        <p:nvCxnSpPr>
+          <p:cNvPr id="89" name="Straight Arrow Connector 88">
+            <a:extLst>
+              <a:ext uri="{FF2B5EF4-FFF2-40B4-BE49-F238E27FC236}">
+                <a16:creationId xmlns:a16="http://schemas.microsoft.com/office/drawing/2014/main" id="{175D8D34-A736-CE5B-216E-8AEE31A179E5}"/>
+              </a:ext>
+            </a:extLst>
+          </p:cNvPr>
+          <p:cNvCxnSpPr>
+            <a:cxnSpLocks/>
+          </p:cNvCxnSpPr>
+          <p:nvPr/>
+        </p:nvCxnSpPr>
+        <p:spPr>
+          <a:xfrm flipV="1">
+            <a:off x="6842448" y="2376184"/>
+            <a:ext cx="2670696" cy="1005203"/>
+          </a:xfrm>
+          <a:prstGeom prst="straightConnector1">
+            <a:avLst/>
+          </a:prstGeom>
+          <a:ln>
+            <a:tailEnd type="triangle"/>
+          </a:ln>
+        </p:spPr>
+        <p:style>
+          <a:lnRef idx="1">
+            <a:schemeClr val="accent1"/>
+          </a:lnRef>
+          <a:fillRef idx="0">
+            <a:schemeClr val="accent1"/>
+          </a:fillRef>
+          <a:effectRef idx="0">
+            <a:schemeClr val="accent1"/>
+          </a:effectRef>
+          <a:fontRef idx="minor">
+            <a:schemeClr val="tx1"/>
+          </a:fontRef>
+        </p:style>
+      </p:cxnSp>
+      <p:cxnSp>
+        <p:nvCxnSpPr>
+          <p:cNvPr id="91" name="Straight Arrow Connector 90">
+            <a:extLst>
+              <a:ext uri="{FF2B5EF4-FFF2-40B4-BE49-F238E27FC236}">
+                <a16:creationId xmlns:a16="http://schemas.microsoft.com/office/drawing/2014/main" id="{66469196-648C-C00C-9DF8-79E58F032C31}"/>
+              </a:ext>
+            </a:extLst>
+          </p:cNvPr>
+          <p:cNvCxnSpPr>
+            <a:cxnSpLocks/>
+          </p:cNvCxnSpPr>
+          <p:nvPr/>
+        </p:nvCxnSpPr>
+        <p:spPr>
+          <a:xfrm flipV="1">
+            <a:off x="6868824" y="2385025"/>
+            <a:ext cx="2644320" cy="1600907"/>
+          </a:xfrm>
+          <a:prstGeom prst="straightConnector1">
+            <a:avLst/>
+          </a:prstGeom>
+          <a:ln>
+            <a:tailEnd type="triangle"/>
+          </a:ln>
+        </p:spPr>
+        <p:style>
+          <a:lnRef idx="1">
+            <a:schemeClr val="accent1"/>
+          </a:lnRef>
+          <a:fillRef idx="0">
+            <a:schemeClr val="accent1"/>
+          </a:fillRef>
+          <a:effectRef idx="0">
+            <a:schemeClr val="accent1"/>
+          </a:effectRef>
+          <a:fontRef idx="minor">
+            <a:schemeClr val="tx1"/>
+          </a:fontRef>
+        </p:style>
+      </p:cxnSp>
+      <p:cxnSp>
+        <p:nvCxnSpPr>
+          <p:cNvPr id="95" name="Straight Arrow Connector 94">
+            <a:extLst>
+              <a:ext uri="{FF2B5EF4-FFF2-40B4-BE49-F238E27FC236}">
+                <a16:creationId xmlns:a16="http://schemas.microsoft.com/office/drawing/2014/main" id="{C424452A-3A1F-4253-22DC-249F87831271}"/>
+              </a:ext>
+            </a:extLst>
+          </p:cNvPr>
+          <p:cNvCxnSpPr>
+            <a:cxnSpLocks/>
+          </p:cNvCxnSpPr>
+          <p:nvPr/>
+        </p:nvCxnSpPr>
+        <p:spPr>
+          <a:xfrm flipV="1">
+            <a:off x="6805578" y="2257381"/>
+            <a:ext cx="2733942" cy="2222118"/>
+          </a:xfrm>
+          <a:prstGeom prst="straightConnector1">
+            <a:avLst/>
+          </a:prstGeom>
+          <a:ln>
+            <a:tailEnd type="triangle"/>
+          </a:ln>
+        </p:spPr>
+        <p:style>
+          <a:lnRef idx="1">
+            <a:schemeClr val="accent1"/>
+          </a:lnRef>
+          <a:fillRef idx="0">
+            <a:schemeClr val="accent1"/>
+          </a:fillRef>
+          <a:effectRef idx="0">
+            <a:schemeClr val="accent1"/>
+          </a:effectRef>
+          <a:fontRef idx="minor">
+            <a:schemeClr val="tx1"/>
+          </a:fontRef>
+        </p:style>
+      </p:cxnSp>
+      <p:cxnSp>
+        <p:nvCxnSpPr>
+          <p:cNvPr id="98" name="Straight Arrow Connector 97">
+            <a:extLst>
+              <a:ext uri="{FF2B5EF4-FFF2-40B4-BE49-F238E27FC236}">
+                <a16:creationId xmlns:a16="http://schemas.microsoft.com/office/drawing/2014/main" id="{D9F47BCA-6B86-3269-C1FA-65F3BC05BBA6}"/>
+              </a:ext>
+            </a:extLst>
+          </p:cNvPr>
+          <p:cNvCxnSpPr>
+            <a:cxnSpLocks/>
+          </p:cNvCxnSpPr>
+          <p:nvPr/>
+        </p:nvCxnSpPr>
+        <p:spPr>
+          <a:xfrm>
+            <a:off x="6805578" y="4768808"/>
+            <a:ext cx="2733942" cy="1120569"/>
+          </a:xfrm>
+          <a:prstGeom prst="straightConnector1">
+            <a:avLst/>
+          </a:prstGeom>
+          <a:ln>
+            <a:solidFill>
+              <a:srgbClr val="00B050"/>
+            </a:solidFill>
+            <a:tailEnd type="triangle"/>
+          </a:ln>
+        </p:spPr>
+        <p:style>
+          <a:lnRef idx="1">
+            <a:schemeClr val="accent1"/>
+          </a:lnRef>
+          <a:fillRef idx="0">
+            <a:schemeClr val="accent1"/>
+          </a:fillRef>
+          <a:effectRef idx="0">
+            <a:schemeClr val="accent1"/>
+          </a:effectRef>
+          <a:fontRef idx="minor">
+            <a:schemeClr val="tx1"/>
+          </a:fontRef>
+        </p:style>
+      </p:cxnSp>
+      <p:cxnSp>
+        <p:nvCxnSpPr>
+          <p:cNvPr id="100" name="Straight Arrow Connector 99">
+            <a:extLst>
+              <a:ext uri="{FF2B5EF4-FFF2-40B4-BE49-F238E27FC236}">
+                <a16:creationId xmlns:a16="http://schemas.microsoft.com/office/drawing/2014/main" id="{C36043BE-089D-B06B-00A7-990E85712009}"/>
+              </a:ext>
+            </a:extLst>
+          </p:cNvPr>
+          <p:cNvCxnSpPr>
+            <a:cxnSpLocks/>
+            <a:endCxn id="72" idx="1"/>
+          </p:cNvCxnSpPr>
+          <p:nvPr/>
+        </p:nvCxnSpPr>
+        <p:spPr>
+          <a:xfrm flipV="1">
+            <a:off x="6865775" y="2393952"/>
+            <a:ext cx="2610499" cy="2644722"/>
+          </a:xfrm>
+          <a:prstGeom prst="straightConnector1">
+            <a:avLst/>
+          </a:prstGeom>
+          <a:ln>
+            <a:solidFill>
+              <a:srgbClr val="00B050"/>
+            </a:solidFill>
+            <a:tailEnd type="triangle"/>
+          </a:ln>
+        </p:spPr>
+        <p:style>
+          <a:lnRef idx="1">
+            <a:schemeClr val="accent1"/>
+          </a:lnRef>
+          <a:fillRef idx="0">
+            <a:schemeClr val="accent1"/>
+          </a:fillRef>
+          <a:effectRef idx="0">
+            <a:schemeClr val="accent1"/>
+          </a:effectRef>
+          <a:fontRef idx="minor">
+            <a:schemeClr val="tx1"/>
+          </a:fontRef>
+        </p:style>
+      </p:cxnSp>
+      <p:cxnSp>
+        <p:nvCxnSpPr>
+          <p:cNvPr id="102" name="Straight Arrow Connector 101">
+            <a:extLst>
+              <a:ext uri="{FF2B5EF4-FFF2-40B4-BE49-F238E27FC236}">
+                <a16:creationId xmlns:a16="http://schemas.microsoft.com/office/drawing/2014/main" id="{722026AD-29CA-25FC-4F59-350486549669}"/>
+              </a:ext>
+            </a:extLst>
+          </p:cNvPr>
+          <p:cNvCxnSpPr>
+            <a:cxnSpLocks/>
+          </p:cNvCxnSpPr>
+          <p:nvPr/>
+        </p:nvCxnSpPr>
+        <p:spPr>
+          <a:xfrm flipV="1">
+            <a:off x="6953309" y="2285259"/>
+            <a:ext cx="2602203" cy="3260724"/>
+          </a:xfrm>
+          <a:prstGeom prst="straightConnector1">
+            <a:avLst/>
+          </a:prstGeom>
+          <a:ln>
+            <a:solidFill>
+              <a:srgbClr val="00B050"/>
+            </a:solidFill>
+            <a:tailEnd type="triangle"/>
+          </a:ln>
+        </p:spPr>
+        <p:style>
+          <a:lnRef idx="1">
+            <a:schemeClr val="accent1"/>
+          </a:lnRef>
+          <a:fillRef idx="0">
+            <a:schemeClr val="accent1"/>
+          </a:fillRef>
+          <a:effectRef idx="0">
+            <a:schemeClr val="accent1"/>
+          </a:effectRef>
+          <a:fontRef idx="minor">
+            <a:schemeClr val="tx1"/>
+          </a:fontRef>
+        </p:style>
+      </p:cxnSp>
+      <p:cxnSp>
+        <p:nvCxnSpPr>
+          <p:cNvPr id="105" name="Straight Arrow Connector 104">
+            <a:extLst>
+              <a:ext uri="{FF2B5EF4-FFF2-40B4-BE49-F238E27FC236}">
+                <a16:creationId xmlns:a16="http://schemas.microsoft.com/office/drawing/2014/main" id="{C1F10829-9734-2BA7-FBFA-186238CFAE9C}"/>
+              </a:ext>
+            </a:extLst>
+          </p:cNvPr>
+          <p:cNvCxnSpPr>
+            <a:cxnSpLocks/>
+            <a:endCxn id="72" idx="1"/>
+          </p:cNvCxnSpPr>
+          <p:nvPr/>
+        </p:nvCxnSpPr>
+        <p:spPr>
+          <a:xfrm>
+            <a:off x="7721860" y="2276418"/>
+            <a:ext cx="1754414" cy="117534"/>
+          </a:xfrm>
+          <a:prstGeom prst="straightConnector1">
+            <a:avLst/>
+          </a:prstGeom>
+          <a:ln>
+            <a:solidFill>
+              <a:srgbClr val="00B050"/>
+            </a:solidFill>
+            <a:tailEnd type="triangle"/>
+          </a:ln>
+        </p:spPr>
+        <p:style>
+          <a:lnRef idx="1">
+            <a:schemeClr val="accent1"/>
+          </a:lnRef>
+          <a:fillRef idx="0">
+            <a:schemeClr val="accent1"/>
+          </a:fillRef>
+          <a:effectRef idx="0">
+            <a:schemeClr val="accent1"/>
+          </a:effectRef>
+          <a:fontRef idx="minor">
+            <a:schemeClr val="tx1"/>
+          </a:fontRef>
+        </p:style>
+      </p:cxnSp>
+      <p:cxnSp>
+        <p:nvCxnSpPr>
+          <p:cNvPr id="108" name="Straight Arrow Connector 107">
+            <a:extLst>
+              <a:ext uri="{FF2B5EF4-FFF2-40B4-BE49-F238E27FC236}">
+                <a16:creationId xmlns:a16="http://schemas.microsoft.com/office/drawing/2014/main" id="{EEFED2D0-7314-2822-59DF-7616512411CF}"/>
+              </a:ext>
+            </a:extLst>
+          </p:cNvPr>
+          <p:cNvCxnSpPr>
+            <a:cxnSpLocks/>
+            <a:endCxn id="72" idx="1"/>
+          </p:cNvCxnSpPr>
+          <p:nvPr/>
+        </p:nvCxnSpPr>
+        <p:spPr>
+          <a:xfrm flipV="1">
+            <a:off x="7813661" y="2393952"/>
+            <a:ext cx="1662613" cy="430557"/>
+          </a:xfrm>
+          <a:prstGeom prst="straightConnector1">
+            <a:avLst/>
+          </a:prstGeom>
+          <a:ln>
+            <a:solidFill>
+              <a:srgbClr val="00B050"/>
+            </a:solidFill>
+            <a:tailEnd type="triangle"/>
+          </a:ln>
+        </p:spPr>
+        <p:style>
+          <a:lnRef idx="1">
+            <a:schemeClr val="accent1"/>
+          </a:lnRef>
+          <a:fillRef idx="0">
+            <a:schemeClr val="accent1"/>
+          </a:fillRef>
+          <a:effectRef idx="0">
+            <a:schemeClr val="accent1"/>
+          </a:effectRef>
+          <a:fontRef idx="minor">
+            <a:schemeClr val="tx1"/>
+          </a:fontRef>
+        </p:style>
+      </p:cxnSp>
+      <p:cxnSp>
+        <p:nvCxnSpPr>
+          <p:cNvPr id="111" name="Straight Arrow Connector 110">
+            <a:extLst>
+              <a:ext uri="{FF2B5EF4-FFF2-40B4-BE49-F238E27FC236}">
+                <a16:creationId xmlns:a16="http://schemas.microsoft.com/office/drawing/2014/main" id="{AD606501-918E-5FED-0301-7E1BA3955C56}"/>
+              </a:ext>
+            </a:extLst>
+          </p:cNvPr>
+          <p:cNvCxnSpPr>
+            <a:cxnSpLocks/>
+          </p:cNvCxnSpPr>
+          <p:nvPr/>
+        </p:nvCxnSpPr>
+        <p:spPr>
+          <a:xfrm flipV="1">
+            <a:off x="7773666" y="2294186"/>
+            <a:ext cx="1771101" cy="1072384"/>
+          </a:xfrm>
+          <a:prstGeom prst="straightConnector1">
+            <a:avLst/>
+          </a:prstGeom>
+          <a:ln>
+            <a:solidFill>
+              <a:srgbClr val="FF0000"/>
+            </a:solidFill>
+            <a:tailEnd type="triangle"/>
+          </a:ln>
+        </p:spPr>
+        <p:style>
+          <a:lnRef idx="1">
+            <a:schemeClr val="accent1"/>
+          </a:lnRef>
+          <a:fillRef idx="0">
+            <a:schemeClr val="accent1"/>
+          </a:fillRef>
+          <a:effectRef idx="0">
+            <a:schemeClr val="accent1"/>
+          </a:effectRef>
+          <a:fontRef idx="minor">
+            <a:schemeClr val="tx1"/>
+          </a:fontRef>
+        </p:style>
+      </p:cxnSp>
+      <p:cxnSp>
+        <p:nvCxnSpPr>
+          <p:cNvPr id="114" name="Straight Arrow Connector 113">
+            <a:extLst>
+              <a:ext uri="{FF2B5EF4-FFF2-40B4-BE49-F238E27FC236}">
+                <a16:creationId xmlns:a16="http://schemas.microsoft.com/office/drawing/2014/main" id="{7E1963D7-18F1-4520-A67B-AD78B9DBB389}"/>
+              </a:ext>
+            </a:extLst>
+          </p:cNvPr>
+          <p:cNvCxnSpPr>
+            <a:cxnSpLocks/>
+          </p:cNvCxnSpPr>
+          <p:nvPr/>
+        </p:nvCxnSpPr>
+        <p:spPr>
+          <a:xfrm flipV="1">
+            <a:off x="7807623" y="2330942"/>
+            <a:ext cx="1626787" cy="1617138"/>
+          </a:xfrm>
+          <a:prstGeom prst="straightConnector1">
+            <a:avLst/>
+          </a:prstGeom>
+          <a:ln>
+            <a:solidFill>
+              <a:srgbClr val="FF0000"/>
+            </a:solidFill>
+            <a:tailEnd type="triangle"/>
+          </a:ln>
+        </p:spPr>
+        <p:style>
+          <a:lnRef idx="1">
+            <a:schemeClr val="accent1"/>
+          </a:lnRef>
+          <a:fillRef idx="0">
+            <a:schemeClr val="accent1"/>
+          </a:fillRef>
+          <a:effectRef idx="0">
+            <a:schemeClr val="accent1"/>
+          </a:effectRef>
+          <a:fontRef idx="minor">
+            <a:schemeClr val="tx1"/>
+          </a:fontRef>
+        </p:style>
+      </p:cxnSp>
+      <p:cxnSp>
+        <p:nvCxnSpPr>
+          <p:cNvPr id="117" name="Straight Arrow Connector 116">
+            <a:extLst>
+              <a:ext uri="{FF2B5EF4-FFF2-40B4-BE49-F238E27FC236}">
+                <a16:creationId xmlns:a16="http://schemas.microsoft.com/office/drawing/2014/main" id="{B1858FE0-85FE-D117-8824-5158C8296904}"/>
+              </a:ext>
+            </a:extLst>
+          </p:cNvPr>
+          <p:cNvCxnSpPr>
+            <a:cxnSpLocks/>
+          </p:cNvCxnSpPr>
+          <p:nvPr/>
+        </p:nvCxnSpPr>
+        <p:spPr>
+          <a:xfrm flipV="1">
+            <a:off x="7859562" y="2410554"/>
+            <a:ext cx="1656631" cy="2041160"/>
+          </a:xfrm>
+          <a:prstGeom prst="straightConnector1">
+            <a:avLst/>
+          </a:prstGeom>
+          <a:ln>
+            <a:solidFill>
+              <a:srgbClr val="FF0000"/>
+            </a:solidFill>
+            <a:tailEnd type="triangle"/>
+          </a:ln>
+        </p:spPr>
+        <p:style>
+          <a:lnRef idx="1">
+            <a:schemeClr val="accent1"/>
+          </a:lnRef>
+          <a:fillRef idx="0">
+            <a:schemeClr val="accent1"/>
+          </a:fillRef>
+          <a:effectRef idx="0">
+            <a:schemeClr val="accent1"/>
+          </a:effectRef>
+          <a:fontRef idx="minor">
+            <a:schemeClr val="tx1"/>
+          </a:fontRef>
+        </p:style>
+      </p:cxnSp>
+      <p:cxnSp>
+        <p:nvCxnSpPr>
+          <p:cNvPr id="120" name="Straight Arrow Connector 119">
+            <a:extLst>
+              <a:ext uri="{FF2B5EF4-FFF2-40B4-BE49-F238E27FC236}">
+                <a16:creationId xmlns:a16="http://schemas.microsoft.com/office/drawing/2014/main" id="{00FABAA1-C3CD-BAD1-6668-89F2F57743E5}"/>
+              </a:ext>
+            </a:extLst>
+          </p:cNvPr>
+          <p:cNvCxnSpPr>
+            <a:cxnSpLocks/>
+          </p:cNvCxnSpPr>
+          <p:nvPr/>
+        </p:nvCxnSpPr>
+        <p:spPr>
+          <a:xfrm flipV="1">
+            <a:off x="7731802" y="2320090"/>
+            <a:ext cx="1841539" cy="2746462"/>
+          </a:xfrm>
+          <a:prstGeom prst="straightConnector1">
+            <a:avLst/>
+          </a:prstGeom>
+          <a:ln>
+            <a:solidFill>
+              <a:srgbClr val="FF0000"/>
+            </a:solidFill>
+            <a:tailEnd type="triangle"/>
+          </a:ln>
+        </p:spPr>
+        <p:style>
+          <a:lnRef idx="1">
+            <a:schemeClr val="accent1"/>
+          </a:lnRef>
+          <a:fillRef idx="0">
+            <a:schemeClr val="accent1"/>
+          </a:fillRef>
+          <a:effectRef idx="0">
+            <a:schemeClr val="accent1"/>
+          </a:effectRef>
+          <a:fontRef idx="minor">
+            <a:schemeClr val="tx1"/>
+          </a:fontRef>
+        </p:style>
+      </p:cxnSp>
+      <p:cxnSp>
+        <p:nvCxnSpPr>
+          <p:cNvPr id="123" name="Straight Arrow Connector 122">
+            <a:extLst>
+              <a:ext uri="{FF2B5EF4-FFF2-40B4-BE49-F238E27FC236}">
+                <a16:creationId xmlns:a16="http://schemas.microsoft.com/office/drawing/2014/main" id="{424E9CF0-FE05-2A7D-4CE5-0337E15A8BF1}"/>
+              </a:ext>
+            </a:extLst>
+          </p:cNvPr>
+          <p:cNvCxnSpPr>
+            <a:cxnSpLocks/>
+          </p:cNvCxnSpPr>
+          <p:nvPr/>
+        </p:nvCxnSpPr>
+        <p:spPr>
+          <a:xfrm>
+            <a:off x="6860883" y="5280423"/>
+            <a:ext cx="2767791" cy="553935"/>
+          </a:xfrm>
+          <a:prstGeom prst="straightConnector1">
+            <a:avLst/>
+          </a:prstGeom>
+          <a:ln>
+            <a:solidFill>
+              <a:srgbClr val="00B050"/>
+            </a:solidFill>
+            <a:tailEnd type="triangle"/>
+          </a:ln>
+        </p:spPr>
+        <p:style>
+          <a:lnRef idx="1">
+            <a:schemeClr val="accent1"/>
+          </a:lnRef>
+          <a:fillRef idx="0">
+            <a:schemeClr val="accent1"/>
+          </a:fillRef>
+          <a:effectRef idx="0">
+            <a:schemeClr val="accent1"/>
+          </a:effectRef>
+          <a:fontRef idx="minor">
+            <a:schemeClr val="tx1"/>
+          </a:fontRef>
+        </p:style>
+      </p:cxnSp>
+      <p:cxnSp>
+        <p:nvCxnSpPr>
+          <p:cNvPr id="126" name="Straight Arrow Connector 125">
+            <a:extLst>
+              <a:ext uri="{FF2B5EF4-FFF2-40B4-BE49-F238E27FC236}">
+                <a16:creationId xmlns:a16="http://schemas.microsoft.com/office/drawing/2014/main" id="{7F7531E5-47BC-50A3-1D8C-41BF6AB47C10}"/>
+              </a:ext>
+            </a:extLst>
+          </p:cNvPr>
+          <p:cNvCxnSpPr>
+            <a:cxnSpLocks/>
+          </p:cNvCxnSpPr>
+          <p:nvPr/>
+        </p:nvCxnSpPr>
+        <p:spPr>
+          <a:xfrm>
+            <a:off x="6842448" y="5858365"/>
+            <a:ext cx="2697072" cy="41971"/>
+          </a:xfrm>
+          <a:prstGeom prst="straightConnector1">
+            <a:avLst/>
+          </a:prstGeom>
+          <a:ln>
+            <a:solidFill>
+              <a:srgbClr val="00B050"/>
+            </a:solidFill>
+            <a:tailEnd type="triangle"/>
+          </a:ln>
+        </p:spPr>
+        <p:style>
+          <a:lnRef idx="1">
+            <a:schemeClr val="accent1"/>
+          </a:lnRef>
+          <a:fillRef idx="0">
+            <a:schemeClr val="accent1"/>
+          </a:fillRef>
+          <a:effectRef idx="0">
+            <a:schemeClr val="accent1"/>
+          </a:effectRef>
+          <a:fontRef idx="minor">
+            <a:schemeClr val="tx1"/>
+          </a:fontRef>
+        </p:style>
+      </p:cxnSp>
+      <p:cxnSp>
+        <p:nvCxnSpPr>
+          <p:cNvPr id="129" name="Straight Arrow Connector 128">
+            <a:extLst>
+              <a:ext uri="{FF2B5EF4-FFF2-40B4-BE49-F238E27FC236}">
+                <a16:creationId xmlns:a16="http://schemas.microsoft.com/office/drawing/2014/main" id="{B6CF50AB-97FD-720B-195A-5725D683C44E}"/>
+              </a:ext>
+            </a:extLst>
+          </p:cNvPr>
+          <p:cNvCxnSpPr>
+            <a:cxnSpLocks/>
+          </p:cNvCxnSpPr>
+          <p:nvPr/>
+        </p:nvCxnSpPr>
+        <p:spPr>
+          <a:xfrm>
+            <a:off x="7736796" y="2538041"/>
+            <a:ext cx="1836545" cy="3373497"/>
+          </a:xfrm>
+          <a:prstGeom prst="straightConnector1">
+            <a:avLst/>
+          </a:prstGeom>
+          <a:ln>
+            <a:solidFill>
+              <a:srgbClr val="00B050"/>
+            </a:solidFill>
+            <a:tailEnd type="triangle"/>
+          </a:ln>
+        </p:spPr>
+        <p:style>
+          <a:lnRef idx="1">
+            <a:schemeClr val="accent1"/>
+          </a:lnRef>
+          <a:fillRef idx="0">
+            <a:schemeClr val="accent1"/>
+          </a:fillRef>
+          <a:effectRef idx="0">
+            <a:schemeClr val="accent1"/>
+          </a:effectRef>
+          <a:fontRef idx="minor">
+            <a:schemeClr val="tx1"/>
+          </a:fontRef>
+        </p:style>
+      </p:cxnSp>
+      <p:cxnSp>
+        <p:nvCxnSpPr>
+          <p:cNvPr id="132" name="Straight Arrow Connector 131">
+            <a:extLst>
+              <a:ext uri="{FF2B5EF4-FFF2-40B4-BE49-F238E27FC236}">
+                <a16:creationId xmlns:a16="http://schemas.microsoft.com/office/drawing/2014/main" id="{95AEBD28-B2F7-575E-B0FE-44064EC7E467}"/>
+              </a:ext>
+            </a:extLst>
+          </p:cNvPr>
+          <p:cNvCxnSpPr>
+            <a:cxnSpLocks/>
+            <a:endCxn id="72" idx="3"/>
+          </p:cNvCxnSpPr>
+          <p:nvPr/>
+        </p:nvCxnSpPr>
+        <p:spPr>
+          <a:xfrm>
+            <a:off x="7770753" y="3129618"/>
+            <a:ext cx="1705521" cy="2659993"/>
+          </a:xfrm>
+          <a:prstGeom prst="straightConnector1">
+            <a:avLst/>
+          </a:prstGeom>
+          <a:ln>
+            <a:solidFill>
+              <a:srgbClr val="00B050"/>
+            </a:solidFill>
+            <a:tailEnd type="triangle"/>
+          </a:ln>
+        </p:spPr>
+        <p:style>
+          <a:lnRef idx="1">
+            <a:schemeClr val="accent1"/>
+          </a:lnRef>
+          <a:fillRef idx="0">
+            <a:schemeClr val="accent1"/>
+          </a:fillRef>
+          <a:effectRef idx="0">
+            <a:schemeClr val="accent1"/>
+          </a:effectRef>
+          <a:fontRef idx="minor">
+            <a:schemeClr val="tx1"/>
+          </a:fontRef>
+        </p:style>
+      </p:cxnSp>
+      <p:cxnSp>
+        <p:nvCxnSpPr>
+          <p:cNvPr id="135" name="Straight Arrow Connector 134">
+            <a:extLst>
+              <a:ext uri="{FF2B5EF4-FFF2-40B4-BE49-F238E27FC236}">
+                <a16:creationId xmlns:a16="http://schemas.microsoft.com/office/drawing/2014/main" id="{238BBD32-BEE3-C320-025F-8B43F30D58DB}"/>
+              </a:ext>
+            </a:extLst>
+          </p:cNvPr>
+          <p:cNvCxnSpPr>
+            <a:cxnSpLocks/>
+            <a:endCxn id="72" idx="3"/>
+          </p:cNvCxnSpPr>
+          <p:nvPr/>
+        </p:nvCxnSpPr>
+        <p:spPr>
+          <a:xfrm>
+            <a:off x="7699888" y="3652636"/>
+            <a:ext cx="1776386" cy="2136975"/>
+          </a:xfrm>
+          <a:prstGeom prst="straightConnector1">
+            <a:avLst/>
+          </a:prstGeom>
+          <a:ln>
+            <a:solidFill>
+              <a:srgbClr val="FF0000"/>
+            </a:solidFill>
+            <a:tailEnd type="triangle"/>
+          </a:ln>
+        </p:spPr>
+        <p:style>
+          <a:lnRef idx="1">
+            <a:schemeClr val="accent1"/>
+          </a:lnRef>
+          <a:fillRef idx="0">
+            <a:schemeClr val="accent1"/>
+          </a:fillRef>
+          <a:effectRef idx="0">
+            <a:schemeClr val="accent1"/>
+          </a:effectRef>
+          <a:fontRef idx="minor">
+            <a:schemeClr val="tx1"/>
+          </a:fontRef>
+        </p:style>
+      </p:cxnSp>
+      <p:cxnSp>
+        <p:nvCxnSpPr>
+          <p:cNvPr id="137" name="Straight Arrow Connector 136">
+            <a:extLst>
+              <a:ext uri="{FF2B5EF4-FFF2-40B4-BE49-F238E27FC236}">
+                <a16:creationId xmlns:a16="http://schemas.microsoft.com/office/drawing/2014/main" id="{B298EEFF-6FB1-991B-7465-6C0503BEC4B6}"/>
+              </a:ext>
+            </a:extLst>
+          </p:cNvPr>
+          <p:cNvCxnSpPr>
+            <a:cxnSpLocks/>
+          </p:cNvCxnSpPr>
+          <p:nvPr/>
+        </p:nvCxnSpPr>
+        <p:spPr>
+          <a:xfrm>
+            <a:off x="7721057" y="4235242"/>
+            <a:ext cx="1850086" cy="1623123"/>
+          </a:xfrm>
+          <a:prstGeom prst="straightConnector1">
+            <a:avLst/>
+          </a:prstGeom>
+          <a:ln>
+            <a:solidFill>
+              <a:srgbClr val="FF0000"/>
+            </a:solidFill>
+            <a:tailEnd type="triangle"/>
+          </a:ln>
+        </p:spPr>
+        <p:style>
+          <a:lnRef idx="1">
+            <a:schemeClr val="accent1"/>
+          </a:lnRef>
+          <a:fillRef idx="0">
+            <a:schemeClr val="accent1"/>
+          </a:fillRef>
+          <a:effectRef idx="0">
+            <a:schemeClr val="accent1"/>
+          </a:effectRef>
+          <a:fontRef idx="minor">
+            <a:schemeClr val="tx1"/>
+          </a:fontRef>
+        </p:style>
+      </p:cxnSp>
+      <p:cxnSp>
+        <p:nvCxnSpPr>
+          <p:cNvPr id="141" name="Straight Arrow Connector 140">
+            <a:extLst>
+              <a:ext uri="{FF2B5EF4-FFF2-40B4-BE49-F238E27FC236}">
+                <a16:creationId xmlns:a16="http://schemas.microsoft.com/office/drawing/2014/main" id="{3AA0EAA7-842E-D44D-FAB6-49F03B860258}"/>
+              </a:ext>
+            </a:extLst>
+          </p:cNvPr>
+          <p:cNvCxnSpPr>
+            <a:cxnSpLocks/>
+          </p:cNvCxnSpPr>
+          <p:nvPr/>
+        </p:nvCxnSpPr>
+        <p:spPr>
+          <a:xfrm>
+            <a:off x="7747426" y="4727201"/>
+            <a:ext cx="1844350" cy="1152149"/>
+          </a:xfrm>
+          <a:prstGeom prst="straightConnector1">
+            <a:avLst/>
+          </a:prstGeom>
+          <a:ln>
+            <a:solidFill>
+              <a:srgbClr val="FF0000"/>
+            </a:solidFill>
+            <a:tailEnd type="triangle"/>
+          </a:ln>
+        </p:spPr>
+        <p:style>
+          <a:lnRef idx="1">
+            <a:schemeClr val="accent1"/>
+          </a:lnRef>
+          <a:fillRef idx="0">
+            <a:schemeClr val="accent1"/>
+          </a:fillRef>
+          <a:effectRef idx="0">
+            <a:schemeClr val="accent1"/>
+          </a:effectRef>
+          <a:fontRef idx="minor">
+            <a:schemeClr val="tx1"/>
+          </a:fontRef>
+        </p:style>
+      </p:cxnSp>
+      <p:cxnSp>
+        <p:nvCxnSpPr>
+          <p:cNvPr id="145" name="Straight Arrow Connector 144">
+            <a:extLst>
+              <a:ext uri="{FF2B5EF4-FFF2-40B4-BE49-F238E27FC236}">
+                <a16:creationId xmlns:a16="http://schemas.microsoft.com/office/drawing/2014/main" id="{A132B663-515D-ECFA-22AD-E647B0719E54}"/>
+              </a:ext>
+            </a:extLst>
+          </p:cNvPr>
+          <p:cNvCxnSpPr>
+            <a:cxnSpLocks/>
+          </p:cNvCxnSpPr>
+          <p:nvPr/>
+        </p:nvCxnSpPr>
+        <p:spPr>
+          <a:xfrm>
+            <a:off x="7718361" y="5327049"/>
+            <a:ext cx="1821159" cy="572923"/>
+          </a:xfrm>
+          <a:prstGeom prst="straightConnector1">
+            <a:avLst/>
+          </a:prstGeom>
+          <a:ln>
+            <a:solidFill>
+              <a:srgbClr val="FF0000"/>
+            </a:solidFill>
+            <a:tailEnd type="triangle"/>
+          </a:ln>
+        </p:spPr>
+        <p:style>
+          <a:lnRef idx="1">
+            <a:schemeClr val="accent1"/>
+          </a:lnRef>
+          <a:fillRef idx="0">
+            <a:schemeClr val="accent1"/>
+          </a:fillRef>
+          <a:effectRef idx="0">
+            <a:schemeClr val="accent1"/>
+          </a:effectRef>
+          <a:fontRef idx="minor">
+            <a:schemeClr val="tx1"/>
+          </a:fontRef>
+        </p:style>
+      </p:cxnSp>
     </p:spTree>
     <p:extLst>
       <p:ext uri="{BB962C8B-B14F-4D97-AF65-F5344CB8AC3E}">
-        <p14:creationId xmlns:p14="http://schemas.microsoft.com/office/powerpoint/2010/main" val="47880257"/>
+        <p14:creationId xmlns:p14="http://schemas.microsoft.com/office/powerpoint/2010/main" val="2889249752"/>
       </p:ext>
     </p:extLst>
   </p:cSld>
@@ -7499,7 +10639,7 @@
           <p:cNvPr id="2" name="Title 1">
             <a:extLst>
               <a:ext uri="{FF2B5EF4-FFF2-40B4-BE49-F238E27FC236}">
-                <a16:creationId xmlns:a16="http://schemas.microsoft.com/office/drawing/2014/main" id="{F0AD653C-81AE-40A5-A676-94305B5CE0BC}"/>
+                <a16:creationId xmlns:a16="http://schemas.microsoft.com/office/drawing/2014/main" id="{5FF81F90-013E-4A17-8F82-E1EE33DC7BAF}"/>
               </a:ext>
             </a:extLst>
           </p:cNvPr>
@@ -7517,7 +10657,7 @@
           <a:p>
             <a:r>
               <a:rPr lang="en-US" dirty="0"/>
-              <a:t>Greatest Common Divisor (GCD)</a:t>
+              <a:t>Modular Multiplication (2)</a:t>
             </a:r>
           </a:p>
         </p:txBody>
@@ -7527,7 +10667,7 @@
           <p:cNvPr id="3" name="Content Placeholder 2">
             <a:extLst>
               <a:ext uri="{FF2B5EF4-FFF2-40B4-BE49-F238E27FC236}">
-                <a16:creationId xmlns:a16="http://schemas.microsoft.com/office/drawing/2014/main" id="{2C5F1ABF-1F76-46F0-A6DF-913E60F3A01F}"/>
+                <a16:creationId xmlns:a16="http://schemas.microsoft.com/office/drawing/2014/main" id="{F8C00842-63E1-42EB-8D86-4EC7E779ACA2}"/>
               </a:ext>
             </a:extLst>
           </p:cNvPr>
@@ -7540,85 +10680,74 @@
         </p:nvSpPr>
         <p:spPr/>
         <p:txBody>
-          <a:bodyPr>
-            <a:normAutofit lnSpcReduction="10000"/>
-          </a:bodyPr>
-          <a:lstStyle/>
-          <a:p>
-            <a:r>
-              <a:rPr lang="en-US" dirty="0"/>
-              <a:t>Take two numbers</a:t>
-            </a:r>
-          </a:p>
-          <a:p>
-            <a:r>
-              <a:rPr lang="en-US" dirty="0"/>
-              <a:t>GCD is the largest number that can divide both</a:t>
+          <a:bodyPr/>
+          <a:lstStyle/>
+          <a:p>
+            <a:r>
+              <a:rPr lang="en-US" dirty="0"/>
+              <a:t>If multiplier and the modulus share a common divisor,</a:t>
             </a:r>
           </a:p>
           <a:p>
             <a:pPr lvl="1"/>
             <a:r>
               <a:rPr lang="en-US" dirty="0"/>
-              <a:t>GCD(2, 26) = 2</a:t>
+              <a:t>Multiplication “wraps” onto same space, over and over</a:t>
             </a:r>
           </a:p>
           <a:p>
             <a:pPr lvl="1"/>
             <a:r>
               <a:rPr lang="en-US" dirty="0"/>
-              <a:t>GCD(18, 26) = 2</a:t>
+              <a:t>Example:  (13 * index) mod 26</a:t>
             </a:r>
           </a:p>
           <a:p>
             <a:pPr lvl="1"/>
             <a:r>
               <a:rPr lang="en-US" dirty="0"/>
-              <a:t>GCD(13, 26) = 13</a:t>
+              <a:t>13 and 26 are both divisible by 2, so 2 is common divisor</a:t>
             </a:r>
           </a:p>
           <a:p>
             <a:pPr lvl="1"/>
             <a:r>
               <a:rPr lang="en-US" dirty="0"/>
-              <a:t>GCD(3, 26) = 1 -- no common divisor, relatively prime</a:t>
-            </a:r>
-          </a:p>
-          <a:p>
-            <a:r>
-              <a:rPr lang="en-US" dirty="0"/>
-              <a:t>GCD = 1 means the two numbers</a:t>
+              <a:t>0 and 13 are the only answers we get</a:t>
+            </a:r>
+          </a:p>
+          <a:p>
+            <a:r>
+              <a:rPr lang="en-US" dirty="0"/>
+              <a:t>Not good for encryption</a:t>
+            </a:r>
+          </a:p>
+          <a:p>
+            <a:r>
+              <a:rPr lang="en-US" dirty="0"/>
+              <a:t>But if the modulus were 29 instead of 26…</a:t>
             </a:r>
           </a:p>
           <a:p>
             <a:pPr lvl="1"/>
             <a:r>
               <a:rPr lang="en-US" dirty="0"/>
-              <a:t>have no common divisor</a:t>
+              <a:t>29 is a prime number, it is only divisible by 1</a:t>
             </a:r>
           </a:p>
           <a:p>
             <a:pPr lvl="1"/>
             <a:r>
               <a:rPr lang="en-US" dirty="0"/>
-              <a:t>are relatively prime</a:t>
-            </a:r>
-          </a:p>
-          <a:p>
-            <a:r>
-              <a:rPr lang="en-US" dirty="0"/>
-              <a:t>Euclid developed a method for finding GCD over 2,000 years ago</a:t>
-            </a:r>
-          </a:p>
-          <a:p>
-            <a:endParaRPr lang="en-US" dirty="0"/>
+              <a:t>We could multiply by any number 0 - 28 without problems</a:t>
+            </a:r>
           </a:p>
         </p:txBody>
       </p:sp>
     </p:spTree>
     <p:extLst>
       <p:ext uri="{BB962C8B-B14F-4D97-AF65-F5344CB8AC3E}">
-        <p14:creationId xmlns:p14="http://schemas.microsoft.com/office/powerpoint/2010/main" val="570729326"/>
+        <p14:creationId xmlns:p14="http://schemas.microsoft.com/office/powerpoint/2010/main" val="47880257"/>
       </p:ext>
     </p:extLst>
   </p:cSld>
@@ -7645,42 +10774,12 @@
           <a:chExt cx="0" cy="0"/>
         </a:xfrm>
       </p:grpSpPr>
-      <p:pic>
-        <p:nvPicPr>
-          <p:cNvPr id="7" name="Picture 6">
-            <a:extLst>
-              <a:ext uri="{FF2B5EF4-FFF2-40B4-BE49-F238E27FC236}">
-                <a16:creationId xmlns:a16="http://schemas.microsoft.com/office/drawing/2014/main" id="{0A327714-417F-80DA-0FC3-A16EF8DF9D82}"/>
-              </a:ext>
-            </a:extLst>
-          </p:cNvPr>
-          <p:cNvPicPr>
-            <a:picLocks noChangeAspect="1"/>
-          </p:cNvPicPr>
-          <p:nvPr/>
-        </p:nvPicPr>
-        <p:blipFill>
-          <a:blip r:embed="rId3"/>
-          <a:stretch>
-            <a:fillRect/>
-          </a:stretch>
-        </p:blipFill>
-        <p:spPr>
-          <a:xfrm>
-            <a:off x="838200" y="5223725"/>
-            <a:ext cx="8356600" cy="965797"/>
-          </a:xfrm>
-          <a:prstGeom prst="rect">
-            <a:avLst/>
-          </a:prstGeom>
-        </p:spPr>
-      </p:pic>
       <p:sp>
         <p:nvSpPr>
           <p:cNvPr id="2" name="Title 1">
             <a:extLst>
               <a:ext uri="{FF2B5EF4-FFF2-40B4-BE49-F238E27FC236}">
-                <a16:creationId xmlns:a16="http://schemas.microsoft.com/office/drawing/2014/main" id="{5E4669E9-61BC-430B-BE14-8EA1D8943480}"/>
+                <a16:creationId xmlns:a16="http://schemas.microsoft.com/office/drawing/2014/main" id="{F0AD653C-81AE-40A5-A676-94305B5CE0BC}"/>
               </a:ext>
             </a:extLst>
           </p:cNvPr>
@@ -7698,7 +10797,7 @@
           <a:p>
             <a:r>
               <a:rPr lang="en-US" dirty="0"/>
-              <a:t>Modular Inverse (1)</a:t>
+              <a:t>Greatest Common Divisor (GCD)</a:t>
             </a:r>
           </a:p>
         </p:txBody>
@@ -7708,7 +10807,7 @@
           <p:cNvPr id="3" name="Content Placeholder 2">
             <a:extLst>
               <a:ext uri="{FF2B5EF4-FFF2-40B4-BE49-F238E27FC236}">
-                <a16:creationId xmlns:a16="http://schemas.microsoft.com/office/drawing/2014/main" id="{81D356A8-90DF-4E7E-85A7-744F58C36919}"/>
+                <a16:creationId xmlns:a16="http://schemas.microsoft.com/office/drawing/2014/main" id="{2C5F1ABF-1F76-46F0-A6DF-913E60F3A01F}"/>
               </a:ext>
             </a:extLst>
           </p:cNvPr>
@@ -7721,120 +10820,101 @@
         </p:nvSpPr>
         <p:spPr/>
         <p:txBody>
-          <a:bodyPr/>
-          <a:lstStyle/>
-          <a:p>
-            <a:r>
-              <a:rPr lang="en-US" dirty="0"/>
-              <a:t>Division doesn’t work in modular arithmetic</a:t>
+          <a:bodyPr>
+            <a:normAutofit lnSpcReduction="10000"/>
+          </a:bodyPr>
+          <a:lstStyle/>
+          <a:p>
+            <a:r>
+              <a:rPr lang="en-US" dirty="0"/>
+              <a:t>Take two numbers</a:t>
+            </a:r>
+          </a:p>
+          <a:p>
+            <a:r>
+              <a:rPr lang="en-US" dirty="0"/>
+              <a:t>GCD is the largest number that can divide both</a:t>
             </a:r>
           </a:p>
           <a:p>
             <a:pPr lvl="1"/>
             <a:r>
               <a:rPr lang="en-US" dirty="0"/>
-              <a:t>3 / 5 is a fraction, modular arithmetic only has integers</a:t>
-            </a:r>
-          </a:p>
-          <a:p>
-            <a:r>
-              <a:rPr lang="en-US" dirty="0"/>
-              <a:t>Instead use modular inverse</a:t>
+              <a:t>GCD(2, 26) = 2</a:t>
             </a:r>
           </a:p>
           <a:p>
             <a:pPr lvl="1"/>
             <a:r>
               <a:rPr lang="en-US" dirty="0"/>
-              <a:t>In real numbers  5 * 1 / 5 = 1  so 1 / 5 is the inverse of 5</a:t>
+              <a:t>GCD(18, 26) = 2</a:t>
             </a:r>
           </a:p>
           <a:p>
             <a:pPr lvl="1"/>
             <a:r>
               <a:rPr lang="en-US" dirty="0"/>
-              <a:t>5 * (mod inverse of 5 ) = 1</a:t>
+              <a:t>GCD(13, 26) = 13</a:t>
             </a:r>
           </a:p>
           <a:p>
             <a:pPr lvl="1"/>
             <a:r>
               <a:rPr lang="en-US" dirty="0"/>
-              <a:t>use wrapping--there must be some number that wraps to 1</a:t>
+              <a:t>GCD(3, 26) = 1 -- no common divisor, relatively prime</a:t>
+            </a:r>
+          </a:p>
+          <a:p>
+            <a:r>
+              <a:rPr lang="en-US" dirty="0">
+                <a:highlight>
+                  <a:srgbClr val="FFFF00"/>
+                </a:highlight>
+              </a:rPr>
+              <a:t>GCD = 1 </a:t>
+            </a:r>
+            <a:r>
+              <a:rPr lang="en-US" dirty="0"/>
+              <a:t>means the two numbers</a:t>
             </a:r>
           </a:p>
           <a:p>
             <a:pPr lvl="1"/>
             <a:r>
               <a:rPr lang="en-US" dirty="0"/>
-              <a:t>5 * 21 = 105,    105 mod 26 = 1</a:t>
+              <a:t>have no common divisor</a:t>
             </a:r>
           </a:p>
           <a:p>
             <a:pPr lvl="1"/>
             <a:r>
               <a:rPr lang="en-US" dirty="0"/>
-              <a:t>So, 21 is the mod inverse of 5 </a:t>
-            </a:r>
-            <a:r>
-              <a:rPr lang="en-US" u="sng" dirty="0"/>
-              <a:t>when you are using mod 26</a:t>
-            </a:r>
-          </a:p>
-        </p:txBody>
-      </p:sp>
-      <p:sp>
-        <p:nvSpPr>
-          <p:cNvPr id="5" name="Oval 4">
-            <a:extLst>
-              <a:ext uri="{FF2B5EF4-FFF2-40B4-BE49-F238E27FC236}">
-                <a16:creationId xmlns:a16="http://schemas.microsoft.com/office/drawing/2014/main" id="{FD51484C-A9CF-4ACB-8BA1-3EF949446E96}"/>
-              </a:ext>
-            </a:extLst>
-          </p:cNvPr>
-          <p:cNvSpPr/>
-          <p:nvPr/>
-        </p:nvSpPr>
-        <p:spPr>
-          <a:xfrm>
-            <a:off x="7673353" y="5139521"/>
-            <a:ext cx="351692" cy="1134207"/>
-          </a:xfrm>
-          <a:prstGeom prst="ellipse">
-            <a:avLst/>
-          </a:prstGeom>
-          <a:noFill/>
-          <a:ln w="38100"/>
-        </p:spPr>
-        <p:style>
-          <a:lnRef idx="2">
-            <a:schemeClr val="accent1">
-              <a:shade val="50000"/>
-            </a:schemeClr>
-          </a:lnRef>
-          <a:fillRef idx="1">
-            <a:schemeClr val="accent1"/>
-          </a:fillRef>
-          <a:effectRef idx="0">
-            <a:schemeClr val="accent1"/>
-          </a:effectRef>
-          <a:fontRef idx="minor">
-            <a:schemeClr val="lt1"/>
-          </a:fontRef>
-        </p:style>
-        <p:txBody>
-          <a:bodyPr rtlCol="0" anchor="ctr"/>
-          <a:lstStyle/>
-          <a:p>
-            <a:pPr algn="ctr"/>
-            <a:endParaRPr lang="en-US"/>
+              <a:t>are </a:t>
+            </a:r>
+            <a:r>
+              <a:rPr lang="en-US" dirty="0">
+                <a:highlight>
+                  <a:srgbClr val="FFFF00"/>
+                </a:highlight>
+              </a:rPr>
+              <a:t>relatively prime</a:t>
+            </a:r>
+          </a:p>
+          <a:p>
+            <a:r>
+              <a:rPr lang="en-US" dirty="0"/>
+              <a:t>Euclid developed a method for finding GCD over 2,000 years ago</a:t>
+            </a:r>
+          </a:p>
+          <a:p>
+            <a:endParaRPr lang="en-US" dirty="0"/>
           </a:p>
         </p:txBody>
       </p:sp>
     </p:spTree>
     <p:extLst>
       <p:ext uri="{BB962C8B-B14F-4D97-AF65-F5344CB8AC3E}">
-        <p14:creationId xmlns:p14="http://schemas.microsoft.com/office/powerpoint/2010/main" val="1899603479"/>
+        <p14:creationId xmlns:p14="http://schemas.microsoft.com/office/powerpoint/2010/main" val="570729326"/>
       </p:ext>
     </p:extLst>
   </p:cSld>
@@ -7861,109 +10941,12 @@
           <a:chExt cx="0" cy="0"/>
         </a:xfrm>
       </p:grpSpPr>
-      <p:sp>
-        <p:nvSpPr>
-          <p:cNvPr id="2" name="Title 1">
-            <a:extLst>
-              <a:ext uri="{FF2B5EF4-FFF2-40B4-BE49-F238E27FC236}">
-                <a16:creationId xmlns:a16="http://schemas.microsoft.com/office/drawing/2014/main" id="{0170D0D0-B4DD-8D13-34CF-59AF836CFBDB}"/>
-              </a:ext>
-            </a:extLst>
-          </p:cNvPr>
-          <p:cNvSpPr>
-            <a:spLocks noGrp="1"/>
-          </p:cNvSpPr>
-          <p:nvPr>
-            <p:ph type="title"/>
-          </p:nvPr>
-        </p:nvSpPr>
-        <p:spPr/>
-        <p:txBody>
-          <a:bodyPr/>
-          <a:lstStyle/>
-          <a:p>
-            <a:r>
-              <a:rPr lang="en-US" dirty="0"/>
-              <a:t>Modular Inverse (2)</a:t>
-            </a:r>
-          </a:p>
-        </p:txBody>
-      </p:sp>
-      <p:sp>
-        <p:nvSpPr>
-          <p:cNvPr id="3" name="Content Placeholder 2">
-            <a:extLst>
-              <a:ext uri="{FF2B5EF4-FFF2-40B4-BE49-F238E27FC236}">
-                <a16:creationId xmlns:a16="http://schemas.microsoft.com/office/drawing/2014/main" id="{28BFA9F4-8AF1-DD3A-A7D4-695ED5514F6B}"/>
-              </a:ext>
-            </a:extLst>
-          </p:cNvPr>
-          <p:cNvSpPr>
-            <a:spLocks noGrp="1"/>
-          </p:cNvSpPr>
-          <p:nvPr>
-            <p:ph idx="1"/>
-          </p:nvPr>
-        </p:nvSpPr>
-        <p:spPr/>
-        <p:txBody>
-          <a:bodyPr>
-            <a:normAutofit/>
-          </a:bodyPr>
-          <a:lstStyle/>
-          <a:p>
-            <a:r>
-              <a:rPr lang="en-US" dirty="0"/>
-              <a:t>The equivalent to division in modular arithmetic is multiplication by the modular inverse.</a:t>
-            </a:r>
-          </a:p>
-          <a:p>
-            <a:r>
-              <a:rPr lang="en-US" dirty="0"/>
-              <a:t>3 / 5 from real number arithmetic in modulus 26 converts to</a:t>
-            </a:r>
-          </a:p>
-          <a:p>
-            <a:r>
-              <a:rPr lang="en-US" dirty="0"/>
-              <a:t>3 * inverse (5 in modulus 26)</a:t>
-            </a:r>
-          </a:p>
-          <a:p>
-            <a:r>
-              <a:rPr lang="en-US" dirty="0"/>
-              <a:t>= 3 * 21 = 63</a:t>
-            </a:r>
-          </a:p>
-          <a:p>
-            <a:r>
-              <a:rPr lang="en-US" dirty="0"/>
-              <a:t>= 63 mod 26</a:t>
-            </a:r>
-          </a:p>
-          <a:p>
-            <a:r>
-              <a:rPr lang="en-US" dirty="0"/>
-              <a:t>= 11</a:t>
-            </a:r>
-          </a:p>
-          <a:p>
-            <a:pPr marL="0" indent="0">
-              <a:buNone/>
-            </a:pPr>
-            <a:endParaRPr lang="en-US" dirty="0"/>
-          </a:p>
-          <a:p>
-            <a:endParaRPr lang="en-US" dirty="0"/>
-          </a:p>
-        </p:txBody>
-      </p:sp>
       <p:pic>
         <p:nvPicPr>
-          <p:cNvPr id="5" name="Picture 4">
-            <a:extLst>
-              <a:ext uri="{FF2B5EF4-FFF2-40B4-BE49-F238E27FC236}">
-                <a16:creationId xmlns:a16="http://schemas.microsoft.com/office/drawing/2014/main" id="{F20153A2-A644-7C32-2D24-8FFF9E5E175E}"/>
+          <p:cNvPr id="7" name="Picture 6">
+            <a:extLst>
+              <a:ext uri="{FF2B5EF4-FFF2-40B4-BE49-F238E27FC236}">
+                <a16:creationId xmlns:a16="http://schemas.microsoft.com/office/drawing/2014/main" id="{0A327714-417F-80DA-0FC3-A16EF8DF9D82}"/>
               </a:ext>
             </a:extLst>
           </p:cNvPr>
@@ -7972,25 +10955,182 @@
           </p:cNvPicPr>
           <p:nvPr/>
         </p:nvPicPr>
-        <p:blipFill rotWithShape="1">
+        <p:blipFill>
           <a:blip r:embed="rId3"/>
-          <a:srcRect r="45578"/>
-          <a:stretch/>
+          <a:stretch>
+            <a:fillRect/>
+          </a:stretch>
         </p:blipFill>
         <p:spPr>
           <a:xfrm>
-            <a:off x="5649291" y="3712447"/>
-            <a:ext cx="3457387" cy="1904581"/>
+            <a:off x="838200" y="5223725"/>
+            <a:ext cx="8356600" cy="965797"/>
           </a:xfrm>
           <a:prstGeom prst="rect">
             <a:avLst/>
           </a:prstGeom>
         </p:spPr>
       </p:pic>
+      <p:sp>
+        <p:nvSpPr>
+          <p:cNvPr id="2" name="Title 1">
+            <a:extLst>
+              <a:ext uri="{FF2B5EF4-FFF2-40B4-BE49-F238E27FC236}">
+                <a16:creationId xmlns:a16="http://schemas.microsoft.com/office/drawing/2014/main" id="{5E4669E9-61BC-430B-BE14-8EA1D8943480}"/>
+              </a:ext>
+            </a:extLst>
+          </p:cNvPr>
+          <p:cNvSpPr>
+            <a:spLocks noGrp="1"/>
+          </p:cNvSpPr>
+          <p:nvPr>
+            <p:ph type="title"/>
+          </p:nvPr>
+        </p:nvSpPr>
+        <p:spPr/>
+        <p:txBody>
+          <a:bodyPr/>
+          <a:lstStyle/>
+          <a:p>
+            <a:r>
+              <a:rPr lang="en-US" dirty="0"/>
+              <a:t>Modular Inverse (1)</a:t>
+            </a:r>
+          </a:p>
+        </p:txBody>
+      </p:sp>
+      <p:sp>
+        <p:nvSpPr>
+          <p:cNvPr id="3" name="Content Placeholder 2">
+            <a:extLst>
+              <a:ext uri="{FF2B5EF4-FFF2-40B4-BE49-F238E27FC236}">
+                <a16:creationId xmlns:a16="http://schemas.microsoft.com/office/drawing/2014/main" id="{81D356A8-90DF-4E7E-85A7-744F58C36919}"/>
+              </a:ext>
+            </a:extLst>
+          </p:cNvPr>
+          <p:cNvSpPr>
+            <a:spLocks noGrp="1"/>
+          </p:cNvSpPr>
+          <p:nvPr>
+            <p:ph idx="1"/>
+          </p:nvPr>
+        </p:nvSpPr>
+        <p:spPr/>
+        <p:txBody>
+          <a:bodyPr/>
+          <a:lstStyle/>
+          <a:p>
+            <a:r>
+              <a:rPr lang="en-US" dirty="0"/>
+              <a:t>Division doesn’t work in modular arithmetic</a:t>
+            </a:r>
+          </a:p>
+          <a:p>
+            <a:pPr lvl="1"/>
+            <a:r>
+              <a:rPr lang="en-US" dirty="0"/>
+              <a:t>3 / 5 is a fraction, modular arithmetic only has integers</a:t>
+            </a:r>
+          </a:p>
+          <a:p>
+            <a:r>
+              <a:rPr lang="en-US" dirty="0"/>
+              <a:t>Instead use modular inverse</a:t>
+            </a:r>
+          </a:p>
+          <a:p>
+            <a:pPr lvl="1"/>
+            <a:r>
+              <a:rPr lang="en-US" dirty="0"/>
+              <a:t>In real numbers  5 * 1 / 5 = 1  so 1 / 5 is the inverse of 5</a:t>
+            </a:r>
+          </a:p>
+          <a:p>
+            <a:pPr lvl="1"/>
+            <a:r>
+              <a:rPr lang="en-US" dirty="0"/>
+              <a:t>5 * (mod inverse of 5 ) = 1</a:t>
+            </a:r>
+          </a:p>
+          <a:p>
+            <a:pPr lvl="1"/>
+            <a:r>
+              <a:rPr lang="en-US" dirty="0"/>
+              <a:t>use wrapping--there must be some number that wraps to 1</a:t>
+            </a:r>
+          </a:p>
+          <a:p>
+            <a:pPr lvl="1"/>
+            <a:r>
+              <a:rPr lang="en-US" dirty="0"/>
+              <a:t>5 * 21 = 105,    105 mod 26 = 1</a:t>
+            </a:r>
+          </a:p>
+          <a:p>
+            <a:pPr lvl="1"/>
+            <a:r>
+              <a:rPr lang="en-US" dirty="0"/>
+              <a:t>So, 21 is the mod inverse of 5 </a:t>
+            </a:r>
+            <a:r>
+              <a:rPr lang="en-US" u="sng" dirty="0"/>
+              <a:t>when you are using mod 26</a:t>
+            </a:r>
+          </a:p>
+        </p:txBody>
+      </p:sp>
+      <p:sp>
+        <p:nvSpPr>
+          <p:cNvPr id="5" name="Oval 4">
+            <a:extLst>
+              <a:ext uri="{FF2B5EF4-FFF2-40B4-BE49-F238E27FC236}">
+                <a16:creationId xmlns:a16="http://schemas.microsoft.com/office/drawing/2014/main" id="{FD51484C-A9CF-4ACB-8BA1-3EF949446E96}"/>
+              </a:ext>
+            </a:extLst>
+          </p:cNvPr>
+          <p:cNvSpPr/>
+          <p:nvPr/>
+        </p:nvSpPr>
+        <p:spPr>
+          <a:xfrm>
+            <a:off x="7673353" y="5139521"/>
+            <a:ext cx="351692" cy="1134207"/>
+          </a:xfrm>
+          <a:prstGeom prst="ellipse">
+            <a:avLst/>
+          </a:prstGeom>
+          <a:noFill/>
+          <a:ln w="38100"/>
+        </p:spPr>
+        <p:style>
+          <a:lnRef idx="2">
+            <a:schemeClr val="accent1">
+              <a:shade val="50000"/>
+            </a:schemeClr>
+          </a:lnRef>
+          <a:fillRef idx="1">
+            <a:schemeClr val="accent1"/>
+          </a:fillRef>
+          <a:effectRef idx="0">
+            <a:schemeClr val="accent1"/>
+          </a:effectRef>
+          <a:fontRef idx="minor">
+            <a:schemeClr val="lt1"/>
+          </a:fontRef>
+        </p:style>
+        <p:txBody>
+          <a:bodyPr rtlCol="0" anchor="ctr"/>
+          <a:lstStyle/>
+          <a:p>
+            <a:pPr algn="ctr"/>
+            <a:endParaRPr lang="en-US"/>
+          </a:p>
+        </p:txBody>
+      </p:sp>
     </p:spTree>
     <p:extLst>
       <p:ext uri="{BB962C8B-B14F-4D97-AF65-F5344CB8AC3E}">
-        <p14:creationId xmlns:p14="http://schemas.microsoft.com/office/powerpoint/2010/main" val="365508623"/>
+        <p14:creationId xmlns:p14="http://schemas.microsoft.com/office/powerpoint/2010/main" val="1899603479"/>
       </p:ext>
     </p:extLst>
   </p:cSld>
